--- a/documents/presentations/sprint_4_presentation.pptx
+++ b/documents/presentations/sprint_4_presentation.pptx
@@ -16,16 +16,20 @@
     <p:sldId id="261" r:id="rId11"/>
     <p:sldId id="262" r:id="rId12"/>
     <p:sldId id="263" r:id="rId13"/>
+    <p:sldId id="264" r:id="rId14"/>
+    <p:sldId id="265" r:id="rId15"/>
+    <p:sldId id="266" r:id="rId16"/>
+    <p:sldId id="267" r:id="rId17"/>
   </p:sldIdLst>
   <p:sldSz cy="5143500" cx="9144000"/>
   <p:notesSz cx="6858000" cy="9144000"/>
   <p:embeddedFontLst>
     <p:embeddedFont>
       <p:font typeface="Roboto"/>
-      <p:regular r:id="rId14"/>
-      <p:bold r:id="rId15"/>
-      <p:italic r:id="rId16"/>
-      <p:boldItalic r:id="rId17"/>
+      <p:regular r:id="rId18"/>
+      <p:bold r:id="rId19"/>
+      <p:italic r:id="rId20"/>
+      <p:boldItalic r:id="rId21"/>
     </p:embeddedFont>
   </p:embeddedFontLst>
   <p:defaultTextStyle>
@@ -801,6 +805,445 @@
 </p:notes>
 </file>
 
+<file path=ppt/notesSlides/notesSlide10.xml><?xml version="1.0" encoding="utf-8"?>
+<p:notes xmlns:a="http://schemas.openxmlformats.org/drawingml/2006/main" xmlns:r="http://schemas.openxmlformats.org/officeDocument/2006/relationships" xmlns:mc="http://schemas.openxmlformats.org/markup-compatibility/2006" xmlns:mv="urn:schemas-microsoft-com:mac:vml" xmlns:p="http://schemas.openxmlformats.org/presentationml/2006/main" xmlns:c="http://schemas.openxmlformats.org/drawingml/2006/chart" xmlns:dgm="http://schemas.openxmlformats.org/drawingml/2006/diagram" xmlns:o="urn:schemas-microsoft-com:office:office" xmlns:v="urn:schemas-microsoft-com:vml" xmlns:pvml="urn:schemas-microsoft-com:office:powerpoint" xmlns:com="http://schemas.openxmlformats.org/drawingml/2006/compatibility" xmlns:p14="http://schemas.microsoft.com/office/powerpoint/2010/main" xmlns:p15="http://schemas.microsoft.com/office/powerpoint/2012/main" xmlns:ahyp="http://schemas.microsoft.com/office/drawing/2018/hyperlinkcolor" showMasterPhAnim="0" showMasterSp="0">
+  <p:cSld>
+    <p:spTree>
+      <p:nvGrpSpPr>
+        <p:cNvPr id="183" name="Shape 183"/>
+        <p:cNvGrpSpPr/>
+        <p:nvPr/>
+      </p:nvGrpSpPr>
+      <p:grpSpPr>
+        <a:xfrm>
+          <a:off x="0" y="0"/>
+          <a:ext cx="0" cy="0"/>
+          <a:chOff x="0" y="0"/>
+          <a:chExt cx="0" cy="0"/>
+        </a:xfrm>
+      </p:grpSpPr>
+      <p:sp>
+        <p:nvSpPr>
+          <p:cNvPr id="184" name="Google Shape;184;g125b272e931_2_19:notes"/>
+          <p:cNvSpPr/>
+          <p:nvPr>
+            <p:ph idx="2" type="sldImg"/>
+          </p:nvPr>
+        </p:nvSpPr>
+        <p:spPr>
+          <a:xfrm>
+            <a:off x="381300" y="685800"/>
+            <a:ext cx="6096000" cy="3429000"/>
+          </a:xfrm>
+          <a:custGeom>
+            <a:rect b="b" l="l" r="r" t="t"/>
+            <a:pathLst>
+              <a:path extrusionOk="0" h="120000" w="120000">
+                <a:moveTo>
+                  <a:pt x="0" y="0"/>
+                </a:moveTo>
+                <a:lnTo>
+                  <a:pt x="120000" y="0"/>
+                </a:lnTo>
+                <a:lnTo>
+                  <a:pt x="120000" y="120000"/>
+                </a:lnTo>
+                <a:lnTo>
+                  <a:pt x="0" y="120000"/>
+                </a:lnTo>
+                <a:close/>
+              </a:path>
+            </a:pathLst>
+          </a:custGeom>
+        </p:spPr>
+      </p:sp>
+      <p:sp>
+        <p:nvSpPr>
+          <p:cNvPr id="185" name="Google Shape;185;g125b272e931_2_19:notes"/>
+          <p:cNvSpPr txBox="1"/>
+          <p:nvPr>
+            <p:ph idx="1" type="body"/>
+          </p:nvPr>
+        </p:nvSpPr>
+        <p:spPr>
+          <a:xfrm>
+            <a:off x="685800" y="4343400"/>
+            <a:ext cx="5486400" cy="4114800"/>
+          </a:xfrm>
+          <a:prstGeom prst="rect">
+            <a:avLst/>
+          </a:prstGeom>
+        </p:spPr>
+        <p:txBody>
+          <a:bodyPr anchorCtr="0" anchor="t" bIns="91425" lIns="91425" spcFirstLastPara="1" rIns="91425" wrap="square" tIns="91425">
+            <a:noAutofit/>
+          </a:bodyPr>
+          <a:lstStyle/>
+          <a:p>
+            <a:pPr indent="0" lvl="0" marL="0" rtl="0" algn="l">
+              <a:spcBef>
+                <a:spcPts val="0"/>
+              </a:spcBef>
+              <a:spcAft>
+                <a:spcPts val="0"/>
+              </a:spcAft>
+              <a:buNone/>
+            </a:pPr>
+            <a:r>
+              <a:rPr b="1" lang="en-GB"/>
+              <a:t>Zak and Tyler</a:t>
+            </a:r>
+            <a:endParaRPr b="1"/>
+          </a:p>
+          <a:p>
+            <a:pPr indent="0" lvl="0" marL="0" rtl="0" algn="l">
+              <a:spcBef>
+                <a:spcPts val="0"/>
+              </a:spcBef>
+              <a:spcAft>
+                <a:spcPts val="0"/>
+              </a:spcAft>
+              <a:buNone/>
+            </a:pPr>
+            <a:r>
+              <a:t/>
+            </a:r>
+            <a:endParaRPr/>
+          </a:p>
+          <a:p>
+            <a:pPr indent="0" lvl="0" marL="0" rtl="0" algn="l">
+              <a:spcBef>
+                <a:spcPts val="0"/>
+              </a:spcBef>
+              <a:spcAft>
+                <a:spcPts val="0"/>
+              </a:spcAft>
+              <a:buNone/>
+            </a:pPr>
+            <a:r>
+              <a:rPr lang="en-GB"/>
+              <a:t>The internal systems have been built within the Docker Engine which would be called a container which can </a:t>
+            </a:r>
+            <a:r>
+              <a:rPr lang="en-GB"/>
+              <a:t>easily</a:t>
+            </a:r>
+            <a:r>
+              <a:rPr lang="en-GB"/>
+              <a:t> deploy and host the </a:t>
+            </a:r>
+            <a:r>
+              <a:rPr lang="en-GB"/>
+              <a:t>environment.</a:t>
+            </a:r>
+            <a:endParaRPr/>
+          </a:p>
+          <a:p>
+            <a:pPr indent="0" lvl="0" marL="0" rtl="0" algn="l">
+              <a:spcBef>
+                <a:spcPts val="0"/>
+              </a:spcBef>
+              <a:spcAft>
+                <a:spcPts val="0"/>
+              </a:spcAft>
+              <a:buNone/>
+            </a:pPr>
+            <a:r>
+              <a:t/>
+            </a:r>
+            <a:endParaRPr/>
+          </a:p>
+          <a:p>
+            <a:pPr indent="-298450" lvl="0" marL="457200" rtl="0" algn="l">
+              <a:spcBef>
+                <a:spcPts val="0"/>
+              </a:spcBef>
+              <a:spcAft>
+                <a:spcPts val="0"/>
+              </a:spcAft>
+              <a:buSzPts val="1100"/>
+              <a:buChar char="●"/>
+            </a:pPr>
+            <a:r>
+              <a:rPr lang="en-GB"/>
+              <a:t>Internal systems build with Docker</a:t>
+            </a:r>
+            <a:endParaRPr/>
+          </a:p>
+          <a:p>
+            <a:pPr indent="-298450" lvl="0" marL="457200" rtl="0" algn="l">
+              <a:spcBef>
+                <a:spcPts val="0"/>
+              </a:spcBef>
+              <a:spcAft>
+                <a:spcPts val="0"/>
+              </a:spcAft>
+              <a:buSzPts val="1100"/>
+              <a:buChar char="●"/>
+            </a:pPr>
+            <a:r>
+              <a:rPr lang="en-GB"/>
+              <a:t>Easily deployable</a:t>
+            </a:r>
+            <a:endParaRPr/>
+          </a:p>
+          <a:p>
+            <a:pPr indent="-298450" lvl="0" marL="457200" rtl="0" algn="l">
+              <a:spcBef>
+                <a:spcPts val="0"/>
+              </a:spcBef>
+              <a:spcAft>
+                <a:spcPts val="0"/>
+              </a:spcAft>
+              <a:buSzPts val="1100"/>
+              <a:buChar char="●"/>
+            </a:pPr>
+            <a:r>
+              <a:rPr lang="en-GB"/>
+              <a:t>Separate containers to reduce the risk of conflicts</a:t>
+            </a:r>
+            <a:endParaRPr/>
+          </a:p>
+          <a:p>
+            <a:pPr indent="-298450" lvl="0" marL="457200" rtl="0" algn="l">
+              <a:spcBef>
+                <a:spcPts val="0"/>
+              </a:spcBef>
+              <a:spcAft>
+                <a:spcPts val="0"/>
+              </a:spcAft>
+              <a:buSzPts val="1100"/>
+              <a:buChar char="●"/>
+            </a:pPr>
+            <a:r>
+              <a:t/>
+            </a:r>
+            <a:endParaRPr/>
+          </a:p>
+          <a:p>
+            <a:pPr indent="0" lvl="0" marL="0" rtl="0" algn="l">
+              <a:spcBef>
+                <a:spcPts val="0"/>
+              </a:spcBef>
+              <a:spcAft>
+                <a:spcPts val="0"/>
+              </a:spcAft>
+              <a:buNone/>
+            </a:pPr>
+            <a:r>
+              <a:t/>
+            </a:r>
+            <a:endParaRPr/>
+          </a:p>
+        </p:txBody>
+      </p:sp>
+    </p:spTree>
+  </p:cSld>
+  <p:clrMapOvr>
+    <a:masterClrMapping/>
+  </p:clrMapOvr>
+</p:notes>
+</file>
+
+<file path=ppt/notesSlides/notesSlide11.xml><?xml version="1.0" encoding="utf-8"?>
+<p:notes xmlns:a="http://schemas.openxmlformats.org/drawingml/2006/main" xmlns:r="http://schemas.openxmlformats.org/officeDocument/2006/relationships" xmlns:mc="http://schemas.openxmlformats.org/markup-compatibility/2006" xmlns:mv="urn:schemas-microsoft-com:mac:vml" xmlns:p="http://schemas.openxmlformats.org/presentationml/2006/main" xmlns:c="http://schemas.openxmlformats.org/drawingml/2006/chart" xmlns:dgm="http://schemas.openxmlformats.org/drawingml/2006/diagram" xmlns:o="urn:schemas-microsoft-com:office:office" xmlns:v="urn:schemas-microsoft-com:vml" xmlns:pvml="urn:schemas-microsoft-com:office:powerpoint" xmlns:com="http://schemas.openxmlformats.org/drawingml/2006/compatibility" xmlns:p14="http://schemas.microsoft.com/office/powerpoint/2010/main" xmlns:p15="http://schemas.microsoft.com/office/powerpoint/2012/main" xmlns:ahyp="http://schemas.microsoft.com/office/drawing/2018/hyperlinkcolor" showMasterPhAnim="0" showMasterSp="0">
+  <p:cSld>
+    <p:spTree>
+      <p:nvGrpSpPr>
+        <p:cNvPr id="190" name="Shape 190"/>
+        <p:cNvGrpSpPr/>
+        <p:nvPr/>
+      </p:nvGrpSpPr>
+      <p:grpSpPr>
+        <a:xfrm>
+          <a:off x="0" y="0"/>
+          <a:ext cx="0" cy="0"/>
+          <a:chOff x="0" y="0"/>
+          <a:chExt cx="0" cy="0"/>
+        </a:xfrm>
+      </p:grpSpPr>
+      <p:sp>
+        <p:nvSpPr>
+          <p:cNvPr id="191" name="Google Shape;191;g12264ae34cd_0_250:notes"/>
+          <p:cNvSpPr/>
+          <p:nvPr>
+            <p:ph idx="2" type="sldImg"/>
+          </p:nvPr>
+        </p:nvSpPr>
+        <p:spPr>
+          <a:xfrm>
+            <a:off x="381300" y="685800"/>
+            <a:ext cx="6096000" cy="3429000"/>
+          </a:xfrm>
+          <a:custGeom>
+            <a:rect b="b" l="l" r="r" t="t"/>
+            <a:pathLst>
+              <a:path extrusionOk="0" h="120000" w="120000">
+                <a:moveTo>
+                  <a:pt x="0" y="0"/>
+                </a:moveTo>
+                <a:lnTo>
+                  <a:pt x="120000" y="0"/>
+                </a:lnTo>
+                <a:lnTo>
+                  <a:pt x="120000" y="120000"/>
+                </a:lnTo>
+                <a:lnTo>
+                  <a:pt x="0" y="120000"/>
+                </a:lnTo>
+                <a:close/>
+              </a:path>
+            </a:pathLst>
+          </a:custGeom>
+        </p:spPr>
+      </p:sp>
+      <p:sp>
+        <p:nvSpPr>
+          <p:cNvPr id="192" name="Google Shape;192;g12264ae34cd_0_250:notes"/>
+          <p:cNvSpPr txBox="1"/>
+          <p:nvPr>
+            <p:ph idx="1" type="body"/>
+          </p:nvPr>
+        </p:nvSpPr>
+        <p:spPr>
+          <a:xfrm>
+            <a:off x="685800" y="4343400"/>
+            <a:ext cx="5486400" cy="4114800"/>
+          </a:xfrm>
+          <a:prstGeom prst="rect">
+            <a:avLst/>
+          </a:prstGeom>
+        </p:spPr>
+        <p:txBody>
+          <a:bodyPr anchorCtr="0" anchor="t" bIns="91425" lIns="91425" spcFirstLastPara="1" rIns="91425" wrap="square" tIns="91425">
+            <a:noAutofit/>
+          </a:bodyPr>
+          <a:lstStyle/>
+          <a:p>
+            <a:pPr indent="0" lvl="0" marL="0" rtl="0" algn="l">
+              <a:spcBef>
+                <a:spcPts val="0"/>
+              </a:spcBef>
+              <a:spcAft>
+                <a:spcPts val="0"/>
+              </a:spcAft>
+              <a:buNone/>
+            </a:pPr>
+            <a:r>
+              <a:rPr lang="en-GB"/>
+              <a:t>We can present our website</a:t>
+            </a:r>
+            <a:endParaRPr/>
+          </a:p>
+        </p:txBody>
+      </p:sp>
+    </p:spTree>
+  </p:cSld>
+  <p:clrMapOvr>
+    <a:masterClrMapping/>
+  </p:clrMapOvr>
+</p:notes>
+</file>
+
+<file path=ppt/notesSlides/notesSlide12.xml><?xml version="1.0" encoding="utf-8"?>
+<p:notes xmlns:a="http://schemas.openxmlformats.org/drawingml/2006/main" xmlns:r="http://schemas.openxmlformats.org/officeDocument/2006/relationships" xmlns:mc="http://schemas.openxmlformats.org/markup-compatibility/2006" xmlns:mv="urn:schemas-microsoft-com:mac:vml" xmlns:p="http://schemas.openxmlformats.org/presentationml/2006/main" xmlns:c="http://schemas.openxmlformats.org/drawingml/2006/chart" xmlns:dgm="http://schemas.openxmlformats.org/drawingml/2006/diagram" xmlns:o="urn:schemas-microsoft-com:office:office" xmlns:v="urn:schemas-microsoft-com:vml" xmlns:pvml="urn:schemas-microsoft-com:office:powerpoint" xmlns:com="http://schemas.openxmlformats.org/drawingml/2006/compatibility" xmlns:p14="http://schemas.microsoft.com/office/powerpoint/2010/main" xmlns:p15="http://schemas.microsoft.com/office/powerpoint/2012/main" xmlns:ahyp="http://schemas.microsoft.com/office/drawing/2018/hyperlinkcolor" showMasterPhAnim="0" showMasterSp="0">
+  <p:cSld>
+    <p:spTree>
+      <p:nvGrpSpPr>
+        <p:cNvPr id="196" name="Shape 196"/>
+        <p:cNvGrpSpPr/>
+        <p:nvPr/>
+      </p:nvGrpSpPr>
+      <p:grpSpPr>
+        <a:xfrm>
+          <a:off x="0" y="0"/>
+          <a:ext cx="0" cy="0"/>
+          <a:chOff x="0" y="0"/>
+          <a:chExt cx="0" cy="0"/>
+        </a:xfrm>
+      </p:grpSpPr>
+      <p:sp>
+        <p:nvSpPr>
+          <p:cNvPr id="197" name="Google Shape;197;g125b272e931_2_10:notes"/>
+          <p:cNvSpPr/>
+          <p:nvPr>
+            <p:ph idx="2" type="sldImg"/>
+          </p:nvPr>
+        </p:nvSpPr>
+        <p:spPr>
+          <a:xfrm>
+            <a:off x="381300" y="685800"/>
+            <a:ext cx="6096000" cy="3429000"/>
+          </a:xfrm>
+          <a:custGeom>
+            <a:rect b="b" l="l" r="r" t="t"/>
+            <a:pathLst>
+              <a:path extrusionOk="0" h="120000" w="120000">
+                <a:moveTo>
+                  <a:pt x="0" y="0"/>
+                </a:moveTo>
+                <a:lnTo>
+                  <a:pt x="120000" y="0"/>
+                </a:lnTo>
+                <a:lnTo>
+                  <a:pt x="120000" y="120000"/>
+                </a:lnTo>
+                <a:lnTo>
+                  <a:pt x="0" y="120000"/>
+                </a:lnTo>
+                <a:close/>
+              </a:path>
+            </a:pathLst>
+          </a:custGeom>
+        </p:spPr>
+      </p:sp>
+      <p:sp>
+        <p:nvSpPr>
+          <p:cNvPr id="198" name="Google Shape;198;g125b272e931_2_10:notes"/>
+          <p:cNvSpPr txBox="1"/>
+          <p:nvPr>
+            <p:ph idx="1" type="body"/>
+          </p:nvPr>
+        </p:nvSpPr>
+        <p:spPr>
+          <a:xfrm>
+            <a:off x="685800" y="4343400"/>
+            <a:ext cx="5486400" cy="4114800"/>
+          </a:xfrm>
+          <a:prstGeom prst="rect">
+            <a:avLst/>
+          </a:prstGeom>
+        </p:spPr>
+        <p:txBody>
+          <a:bodyPr anchorCtr="0" anchor="t" bIns="91425" lIns="91425" spcFirstLastPara="1" rIns="91425" wrap="square" tIns="91425">
+            <a:noAutofit/>
+          </a:bodyPr>
+          <a:lstStyle/>
+          <a:p>
+            <a:pPr indent="0" lvl="0" marL="0" rtl="0" algn="l">
+              <a:spcBef>
+                <a:spcPts val="0"/>
+              </a:spcBef>
+              <a:spcAft>
+                <a:spcPts val="0"/>
+              </a:spcAft>
+              <a:buNone/>
+            </a:pPr>
+            <a:r>
+              <a:t/>
+            </a:r>
+            <a:endParaRPr/>
+          </a:p>
+        </p:txBody>
+      </p:sp>
+    </p:spTree>
+  </p:cSld>
+  <p:clrMapOvr>
+    <a:masterClrMapping/>
+  </p:clrMapOvr>
+</p:notes>
+</file>
+
 <file path=ppt/notesSlides/notesSlide2.xml><?xml version="1.0" encoding="utf-8"?>
 <p:notes xmlns:a="http://schemas.openxmlformats.org/drawingml/2006/main" xmlns:r="http://schemas.openxmlformats.org/officeDocument/2006/relationships" xmlns:mc="http://schemas.openxmlformats.org/markup-compatibility/2006" xmlns:mv="urn:schemas-microsoft-com:mac:vml" xmlns:p="http://schemas.openxmlformats.org/presentationml/2006/main" xmlns:c="http://schemas.openxmlformats.org/drawingml/2006/chart" xmlns:dgm="http://schemas.openxmlformats.org/drawingml/2006/diagram" xmlns:o="urn:schemas-microsoft-com:office:office" xmlns:v="urn:schemas-microsoft-com:vml" xmlns:pvml="urn:schemas-microsoft-com:office:powerpoint" xmlns:com="http://schemas.openxmlformats.org/drawingml/2006/compatibility" xmlns:p14="http://schemas.microsoft.com/office/powerpoint/2010/main" xmlns:p15="http://schemas.microsoft.com/office/powerpoint/2012/main" xmlns:ahyp="http://schemas.microsoft.com/office/drawing/2018/hyperlinkcolor" showMasterPhAnim="0" showMasterSp="0">
   <p:cSld>
@@ -1037,7 +1480,7 @@
       </p:grpSpPr>
       <p:sp>
         <p:nvSpPr>
-          <p:cNvPr id="95" name="Google Shape;95;g125b272e931_2_5:notes"/>
+          <p:cNvPr id="95" name="Google Shape;95;g12622a6b4c9_1_6:notes"/>
           <p:cNvSpPr/>
           <p:nvPr>
             <p:ph idx="2" type="sldImg"/>
@@ -1072,7 +1515,7 @@
       </p:sp>
       <p:sp>
         <p:nvSpPr>
-          <p:cNvPr id="96" name="Google Shape;96;g125b272e931_2_5:notes"/>
+          <p:cNvPr id="96" name="Google Shape;96;g12622a6b4c9_1_6:notes"/>
           <p:cNvSpPr txBox="1"/>
           <p:nvPr>
             <p:ph idx="1" type="body"/>
@@ -1093,84 +1536,31 @@
           </a:bodyPr>
           <a:lstStyle/>
           <a:p>
-            <a:pPr indent="-298450" lvl="0" marL="457200" rtl="0" algn="l">
-              <a:spcBef>
-                <a:spcPts val="0"/>
-              </a:spcBef>
-              <a:spcAft>
-                <a:spcPts val="0"/>
-              </a:spcAft>
-              <a:buSzPts val="1100"/>
-              <a:buAutoNum type="arabicPeriod"/>
+            <a:pPr indent="0" lvl="0" marL="0" rtl="0" algn="l">
+              <a:lnSpc>
+                <a:spcPct val="115000"/>
+              </a:lnSpc>
+              <a:spcBef>
+                <a:spcPts val="0"/>
+              </a:spcBef>
+              <a:spcAft>
+                <a:spcPts val="0"/>
+              </a:spcAft>
+              <a:buNone/>
             </a:pPr>
             <a:r>
-              <a:rPr lang="en-GB"/>
-              <a:t>Latest technologies</a:t>
-            </a:r>
-            <a:endParaRPr/>
-          </a:p>
-          <a:p>
-            <a:pPr indent="0" lvl="0" marL="0" rtl="0" algn="l">
-              <a:spcBef>
-                <a:spcPts val="0"/>
-              </a:spcBef>
-              <a:spcAft>
-                <a:spcPts val="0"/>
-              </a:spcAft>
-              <a:buNone/>
-            </a:pPr>
-            <a:r>
-              <a:rPr lang="en-GB"/>
-              <a:t>	Node.js, Express.js, Docker, Bootstrap, Pug</a:t>
-            </a:r>
-            <a:endParaRPr/>
-          </a:p>
-          <a:p>
-            <a:pPr indent="-298450" lvl="0" marL="457200" rtl="0" algn="l">
-              <a:spcBef>
-                <a:spcPts val="0"/>
-              </a:spcBef>
-              <a:spcAft>
-                <a:spcPts val="0"/>
-              </a:spcAft>
-              <a:buSzPts val="1100"/>
-              <a:buAutoNum type="arabicPeriod"/>
-            </a:pPr>
-            <a:r>
-              <a:rPr lang="en-GB"/>
-              <a:t>Easy to use platform through a website interface</a:t>
-            </a:r>
-            <a:endParaRPr/>
-          </a:p>
-          <a:p>
-            <a:pPr indent="0" lvl="0" marL="0" rtl="0" algn="l">
-              <a:spcBef>
-                <a:spcPts val="0"/>
-              </a:spcBef>
-              <a:spcAft>
-                <a:spcPts val="0"/>
-              </a:spcAft>
-              <a:buNone/>
-            </a:pPr>
-            <a:r>
-              <a:t/>
-            </a:r>
-            <a:endParaRPr/>
-          </a:p>
-          <a:p>
-            <a:pPr indent="0" lvl="0" marL="0" rtl="0" algn="l">
-              <a:spcBef>
-                <a:spcPts val="0"/>
-              </a:spcBef>
-              <a:spcAft>
-                <a:spcPts val="0"/>
-              </a:spcAft>
-              <a:buNone/>
-            </a:pPr>
-            <a:r>
-              <a:t/>
-            </a:r>
-            <a:endParaRPr/>
+              <a:rPr b="1" lang="en-GB">
+                <a:solidFill>
+                  <a:schemeClr val="dk1"/>
+                </a:solidFill>
+              </a:rPr>
+              <a:t>Bogdan</a:t>
+            </a:r>
+            <a:endParaRPr b="1">
+              <a:solidFill>
+                <a:schemeClr val="dk1"/>
+              </a:solidFill>
+            </a:endParaRPr>
           </a:p>
           <a:p>
             <a:pPr indent="0" lvl="0" marL="0" rtl="0" algn="l">
@@ -1186,12 +1576,7 @@
               <a:buNone/>
             </a:pPr>
             <a:r>
-              <a:rPr lang="en-GB">
-                <a:solidFill>
-                  <a:schemeClr val="dk1"/>
-                </a:solidFill>
-              </a:rPr>
-              <a:t>4 Month-long project</a:t>
+              <a:t/>
             </a:r>
             <a:endParaRPr>
               <a:solidFill>
@@ -1205,7 +1590,7 @@
                 <a:spcPct val="115000"/>
               </a:lnSpc>
               <a:spcBef>
-                <a:spcPts val="1200"/>
+                <a:spcPts val="0"/>
               </a:spcBef>
               <a:spcAft>
                 <a:spcPts val="0"/>
@@ -1218,7 +1603,7 @@
                   <a:schemeClr val="dk1"/>
                 </a:solidFill>
               </a:rPr>
-              <a:t>600+ total commits</a:t>
+              <a:t>The code of conduct is a professional document that aims to guide those whom it may concern regarding the team and projects standards, responsibilities, disciplinary actions and technical details. We as a team will refer to this code of conduct throughout the project to ensure all the standards are being followed.</a:t>
             </a:r>
             <a:endParaRPr>
               <a:solidFill>
@@ -1232,26 +1617,154 @@
                 <a:spcPct val="115000"/>
               </a:lnSpc>
               <a:spcBef>
-                <a:spcPts val="1200"/>
-              </a:spcBef>
-              <a:spcAft>
-                <a:spcPts val="1200"/>
+                <a:spcPts val="0"/>
+              </a:spcBef>
+              <a:spcAft>
+                <a:spcPts val="0"/>
               </a:spcAft>
               <a:buNone/>
             </a:pPr>
             <a:r>
-              <a:rPr lang="en-GB">
-                <a:solidFill>
-                  <a:schemeClr val="dk1"/>
-                </a:solidFill>
-              </a:rPr>
-              <a:t>40 Merges</a:t>
-            </a:r>
-            <a:endParaRPr sz="400">
+              <a:t/>
+            </a:r>
+            <a:endParaRPr>
               <a:solidFill>
                 <a:schemeClr val="dk1"/>
               </a:solidFill>
             </a:endParaRPr>
+          </a:p>
+          <a:p>
+            <a:pPr indent="-298450" lvl="0" marL="457200" rtl="0" algn="l">
+              <a:spcBef>
+                <a:spcPts val="0"/>
+              </a:spcBef>
+              <a:spcAft>
+                <a:spcPts val="0"/>
+              </a:spcAft>
+              <a:buSzPts val="1100"/>
+              <a:buAutoNum type="arabicPeriod"/>
+            </a:pPr>
+            <a:r>
+              <a:rPr lang="en-GB"/>
+              <a:t>Zakariya Oulhadj (Team Leader 1)</a:t>
+            </a:r>
+            <a:endParaRPr/>
+          </a:p>
+          <a:p>
+            <a:pPr indent="-298450" lvl="1" marL="914400" rtl="0" algn="l">
+              <a:spcBef>
+                <a:spcPts val="0"/>
+              </a:spcBef>
+              <a:spcAft>
+                <a:spcPts val="0"/>
+              </a:spcAft>
+              <a:buSzPts val="1100"/>
+              <a:buAutoNum type="alphaLcPeriod"/>
+            </a:pPr>
+            <a:r>
+              <a:rPr lang="en-GB"/>
+              <a:t>Responsible for managing the group</a:t>
+            </a:r>
+            <a:endParaRPr/>
+          </a:p>
+          <a:p>
+            <a:pPr indent="-298450" lvl="1" marL="914400" rtl="0" algn="l">
+              <a:spcBef>
+                <a:spcPts val="0"/>
+              </a:spcBef>
+              <a:spcAft>
+                <a:spcPts val="0"/>
+              </a:spcAft>
+              <a:buSzPts val="1100"/>
+              <a:buAutoNum type="alphaLcPeriod"/>
+            </a:pPr>
+            <a:r>
+              <a:t/>
+            </a:r>
+            <a:endParaRPr/>
+          </a:p>
+          <a:p>
+            <a:pPr indent="-298450" lvl="0" marL="457200" rtl="0" algn="l">
+              <a:spcBef>
+                <a:spcPts val="0"/>
+              </a:spcBef>
+              <a:spcAft>
+                <a:spcPts val="0"/>
+              </a:spcAft>
+              <a:buSzPts val="1100"/>
+              <a:buAutoNum type="arabicPeriod"/>
+            </a:pPr>
+            <a:r>
+              <a:rPr lang="en-GB"/>
+              <a:t>Bogdan (Team Leader 2)</a:t>
+            </a:r>
+            <a:endParaRPr/>
+          </a:p>
+          <a:p>
+            <a:pPr indent="-298450" lvl="1" marL="914400" rtl="0" algn="l">
+              <a:spcBef>
+                <a:spcPts val="0"/>
+              </a:spcBef>
+              <a:spcAft>
+                <a:spcPts val="0"/>
+              </a:spcAft>
+              <a:buSzPts val="1100"/>
+              <a:buAutoNum type="alphaLcPeriod"/>
+            </a:pPr>
+            <a:r>
+              <a:rPr lang="en-GB"/>
+              <a:t>The second team leader that….</a:t>
+            </a:r>
+            <a:endParaRPr/>
+          </a:p>
+          <a:p>
+            <a:pPr indent="-298450" lvl="0" marL="457200" rtl="0" algn="l">
+              <a:spcBef>
+                <a:spcPts val="0"/>
+              </a:spcBef>
+              <a:spcAft>
+                <a:spcPts val="0"/>
+              </a:spcAft>
+              <a:buSzPts val="1100"/>
+              <a:buAutoNum type="arabicPeriod"/>
+            </a:pPr>
+            <a:r>
+              <a:rPr lang="en-GB"/>
+              <a:t>Taylor Head (Scrum Master)</a:t>
+            </a:r>
+            <a:endParaRPr/>
+          </a:p>
+          <a:p>
+            <a:pPr indent="-298450" lvl="1" marL="914400" rtl="0" algn="l">
+              <a:spcBef>
+                <a:spcPts val="0"/>
+              </a:spcBef>
+              <a:spcAft>
+                <a:spcPts val="0"/>
+              </a:spcAft>
+              <a:buSzPts val="1100"/>
+              <a:buAutoNum type="alphaLcPeriod"/>
+            </a:pPr>
+            <a:r>
+              <a:rPr lang="en-GB"/>
+              <a:t>The scrum master which …..</a:t>
+            </a:r>
+            <a:endParaRPr/>
+          </a:p>
+          <a:p>
+            <a:pPr indent="0" lvl="0" marL="0" rtl="0" algn="l">
+              <a:spcBef>
+                <a:spcPts val="0"/>
+              </a:spcBef>
+              <a:spcAft>
+                <a:spcPts val="0"/>
+              </a:spcAft>
+              <a:buNone/>
+            </a:pPr>
+            <a:r>
+              <a:t/>
+            </a:r>
+            <a:endParaRPr/>
           </a:p>
         </p:txBody>
       </p:sp>
@@ -1268,7 +1781,7 @@
   <p:cSld>
     <p:spTree>
       <p:nvGrpSpPr>
-        <p:cNvPr id="132" name="Shape 132"/>
+        <p:cNvPr id="101" name="Shape 101"/>
         <p:cNvGrpSpPr/>
         <p:nvPr/>
       </p:nvGrpSpPr>
@@ -1282,7 +1795,7 @@
       </p:grpSpPr>
       <p:sp>
         <p:nvSpPr>
-          <p:cNvPr id="133" name="Google Shape;133;g12264ae34cd_0_274:notes"/>
+          <p:cNvPr id="102" name="Google Shape;102;g12622a6b4c9_0_1:notes"/>
           <p:cNvSpPr/>
           <p:nvPr>
             <p:ph idx="2" type="sldImg"/>
@@ -1317,7 +1830,7 @@
       </p:sp>
       <p:sp>
         <p:nvSpPr>
-          <p:cNvPr id="134" name="Google Shape;134;g12264ae34cd_0_274:notes"/>
+          <p:cNvPr id="103" name="Google Shape;103;g12622a6b4c9_0_1:notes"/>
           <p:cNvSpPr txBox="1"/>
           <p:nvPr>
             <p:ph idx="1" type="body"/>
@@ -1348,10 +1861,10 @@
               <a:buNone/>
             </a:pPr>
             <a:r>
-              <a:rPr lang="en-GB"/>
-              <a:t>Quick mention of the different tool used.</a:t>
-            </a:r>
-            <a:endParaRPr/>
+              <a:rPr b="1" lang="en-GB"/>
+              <a:t>Tyler</a:t>
+            </a:r>
+            <a:endParaRPr b="1"/>
           </a:p>
         </p:txBody>
       </p:sp>
@@ -1368,7 +1881,7 @@
   <p:cSld>
     <p:spTree>
       <p:nvGrpSpPr>
-        <p:cNvPr id="146" name="Shape 146"/>
+        <p:cNvPr id="108" name="Shape 108"/>
         <p:cNvGrpSpPr/>
         <p:nvPr/>
       </p:nvGrpSpPr>
@@ -1382,7 +1895,7 @@
       </p:grpSpPr>
       <p:sp>
         <p:nvSpPr>
-          <p:cNvPr id="147" name="Google Shape;147;g12264ae34cd_0_265:notes"/>
+          <p:cNvPr id="109" name="Google Shape;109;g125b272e931_2_5:notes"/>
           <p:cNvSpPr/>
           <p:nvPr>
             <p:ph idx="2" type="sldImg"/>
@@ -1417,7 +1930,7 @@
       </p:sp>
       <p:sp>
         <p:nvSpPr>
-          <p:cNvPr id="148" name="Google Shape;148;g12264ae34cd_0_265:notes"/>
+          <p:cNvPr id="110" name="Google Shape;110;g125b272e931_2_5:notes"/>
           <p:cNvSpPr txBox="1"/>
           <p:nvPr>
             <p:ph idx="1" type="body"/>
@@ -1448,9 +1961,397 @@
               <a:buNone/>
             </a:pPr>
             <a:r>
+              <a:rPr b="1" lang="en-GB"/>
+              <a:t>Zak</a:t>
+            </a:r>
+            <a:endParaRPr b="1"/>
+          </a:p>
+          <a:p>
+            <a:pPr indent="-298450" lvl="0" marL="457200" rtl="0" algn="l">
+              <a:spcBef>
+                <a:spcPts val="0"/>
+              </a:spcBef>
+              <a:spcAft>
+                <a:spcPts val="0"/>
+              </a:spcAft>
+              <a:buSzPts val="1100"/>
+              <a:buAutoNum type="arabicPeriod"/>
+            </a:pPr>
+            <a:r>
               <a:t/>
             </a:r>
             <a:endParaRPr/>
+          </a:p>
+          <a:p>
+            <a:pPr indent="-298450" lvl="0" marL="457200" rtl="0" algn="l">
+              <a:spcBef>
+                <a:spcPts val="0"/>
+              </a:spcBef>
+              <a:spcAft>
+                <a:spcPts val="0"/>
+              </a:spcAft>
+              <a:buSzPts val="1100"/>
+              <a:buAutoNum type="arabicPeriod"/>
+            </a:pPr>
+            <a:r>
+              <a:rPr lang="en-GB"/>
+              <a:t>Latest technologies</a:t>
+            </a:r>
+            <a:endParaRPr/>
+          </a:p>
+          <a:p>
+            <a:pPr indent="0" lvl="0" marL="0" rtl="0" algn="l">
+              <a:spcBef>
+                <a:spcPts val="0"/>
+              </a:spcBef>
+              <a:spcAft>
+                <a:spcPts val="0"/>
+              </a:spcAft>
+              <a:buNone/>
+            </a:pPr>
+            <a:r>
+              <a:rPr lang="en-GB"/>
+              <a:t>	Node.js, Express.js, Docker, Bootstrap, Pug</a:t>
+            </a:r>
+            <a:endParaRPr/>
+          </a:p>
+          <a:p>
+            <a:pPr indent="-298450" lvl="0" marL="457200" rtl="0" algn="l">
+              <a:spcBef>
+                <a:spcPts val="0"/>
+              </a:spcBef>
+              <a:spcAft>
+                <a:spcPts val="0"/>
+              </a:spcAft>
+              <a:buSzPts val="1100"/>
+              <a:buAutoNum type="arabicPeriod"/>
+            </a:pPr>
+            <a:r>
+              <a:rPr lang="en-GB"/>
+              <a:t>Easy to use platform through a website interface</a:t>
+            </a:r>
+            <a:endParaRPr/>
+          </a:p>
+          <a:p>
+            <a:pPr indent="0" lvl="0" marL="0" rtl="0" algn="l">
+              <a:spcBef>
+                <a:spcPts val="0"/>
+              </a:spcBef>
+              <a:spcAft>
+                <a:spcPts val="0"/>
+              </a:spcAft>
+              <a:buNone/>
+            </a:pPr>
+            <a:r>
+              <a:t/>
+            </a:r>
+            <a:endParaRPr/>
+          </a:p>
+          <a:p>
+            <a:pPr indent="0" lvl="0" marL="0" rtl="0" algn="l">
+              <a:spcBef>
+                <a:spcPts val="0"/>
+              </a:spcBef>
+              <a:spcAft>
+                <a:spcPts val="0"/>
+              </a:spcAft>
+              <a:buNone/>
+            </a:pPr>
+            <a:r>
+              <a:t/>
+            </a:r>
+            <a:endParaRPr/>
+          </a:p>
+          <a:p>
+            <a:pPr indent="0" lvl="0" marL="0" rtl="0" algn="l">
+              <a:lnSpc>
+                <a:spcPct val="115000"/>
+              </a:lnSpc>
+              <a:spcBef>
+                <a:spcPts val="0"/>
+              </a:spcBef>
+              <a:spcAft>
+                <a:spcPts val="0"/>
+              </a:spcAft>
+              <a:buNone/>
+            </a:pPr>
+            <a:r>
+              <a:rPr lang="en-GB">
+                <a:solidFill>
+                  <a:schemeClr val="dk1"/>
+                </a:solidFill>
+              </a:rPr>
+              <a:t>4 Month-long project</a:t>
+            </a:r>
+            <a:endParaRPr>
+              <a:solidFill>
+                <a:schemeClr val="dk1"/>
+              </a:solidFill>
+            </a:endParaRPr>
+          </a:p>
+          <a:p>
+            <a:pPr indent="0" lvl="0" marL="0" rtl="0" algn="l">
+              <a:lnSpc>
+                <a:spcPct val="115000"/>
+              </a:lnSpc>
+              <a:spcBef>
+                <a:spcPts val="1200"/>
+              </a:spcBef>
+              <a:spcAft>
+                <a:spcPts val="0"/>
+              </a:spcAft>
+              <a:buNone/>
+            </a:pPr>
+            <a:r>
+              <a:rPr lang="en-GB">
+                <a:solidFill>
+                  <a:schemeClr val="dk1"/>
+                </a:solidFill>
+              </a:rPr>
+              <a:t>600+ total commits</a:t>
+            </a:r>
+            <a:endParaRPr>
+              <a:solidFill>
+                <a:schemeClr val="dk1"/>
+              </a:solidFill>
+            </a:endParaRPr>
+          </a:p>
+          <a:p>
+            <a:pPr indent="0" lvl="0" marL="0" rtl="0" algn="l">
+              <a:lnSpc>
+                <a:spcPct val="115000"/>
+              </a:lnSpc>
+              <a:spcBef>
+                <a:spcPts val="1200"/>
+              </a:spcBef>
+              <a:spcAft>
+                <a:spcPts val="0"/>
+              </a:spcAft>
+              <a:buNone/>
+            </a:pPr>
+            <a:r>
+              <a:rPr lang="en-GB">
+                <a:solidFill>
+                  <a:schemeClr val="dk1"/>
+                </a:solidFill>
+              </a:rPr>
+              <a:t>40 Merges</a:t>
+            </a:r>
+            <a:endParaRPr>
+              <a:solidFill>
+                <a:schemeClr val="dk1"/>
+              </a:solidFill>
+            </a:endParaRPr>
+          </a:p>
+          <a:p>
+            <a:pPr indent="0" lvl="0" marL="0" rtl="0" algn="l">
+              <a:lnSpc>
+                <a:spcPct val="115000"/>
+              </a:lnSpc>
+              <a:spcBef>
+                <a:spcPts val="1200"/>
+              </a:spcBef>
+              <a:spcAft>
+                <a:spcPts val="0"/>
+              </a:spcAft>
+              <a:buClr>
+                <a:schemeClr val="dk1"/>
+              </a:buClr>
+              <a:buSzPts val="1100"/>
+              <a:buFont typeface="Arial"/>
+              <a:buNone/>
+            </a:pPr>
+            <a:r>
+              <a:rPr lang="en-GB">
+                <a:solidFill>
+                  <a:schemeClr val="dk1"/>
+                </a:solidFill>
+              </a:rPr>
+              <a:t>The project is licensed under GPL-3.0 Licence (GNU Public Licence version 3) [3]. This means that the client has: </a:t>
+            </a:r>
+            <a:endParaRPr>
+              <a:solidFill>
+                <a:schemeClr val="dk1"/>
+              </a:solidFill>
+            </a:endParaRPr>
+          </a:p>
+          <a:p>
+            <a:pPr indent="-298450" lvl="0" marL="457200" rtl="0" algn="l">
+              <a:lnSpc>
+                <a:spcPct val="115000"/>
+              </a:lnSpc>
+              <a:spcBef>
+                <a:spcPts val="0"/>
+              </a:spcBef>
+              <a:spcAft>
+                <a:spcPts val="0"/>
+              </a:spcAft>
+              <a:buClr>
+                <a:schemeClr val="dk1"/>
+              </a:buClr>
+              <a:buSzPts val="1100"/>
+              <a:buChar char="●"/>
+            </a:pPr>
+            <a:r>
+              <a:rPr lang="en-GB">
+                <a:solidFill>
+                  <a:schemeClr val="dk1"/>
+                </a:solidFill>
+              </a:rPr>
+              <a:t>the freedom to use the software for any purpose,</a:t>
+            </a:r>
+            <a:endParaRPr>
+              <a:solidFill>
+                <a:schemeClr val="dk1"/>
+              </a:solidFill>
+            </a:endParaRPr>
+          </a:p>
+          <a:p>
+            <a:pPr indent="-298450" lvl="0" marL="457200" rtl="0" algn="l">
+              <a:lnSpc>
+                <a:spcPct val="115000"/>
+              </a:lnSpc>
+              <a:spcBef>
+                <a:spcPts val="0"/>
+              </a:spcBef>
+              <a:spcAft>
+                <a:spcPts val="0"/>
+              </a:spcAft>
+              <a:buClr>
+                <a:schemeClr val="dk1"/>
+              </a:buClr>
+              <a:buSzPts val="1100"/>
+              <a:buChar char="●"/>
+            </a:pPr>
+            <a:r>
+              <a:rPr lang="en-GB">
+                <a:solidFill>
+                  <a:schemeClr val="dk1"/>
+                </a:solidFill>
+              </a:rPr>
+              <a:t>the freedom to change the software to suit their needs,</a:t>
+            </a:r>
+            <a:endParaRPr>
+              <a:solidFill>
+                <a:schemeClr val="dk1"/>
+              </a:solidFill>
+            </a:endParaRPr>
+          </a:p>
+          <a:p>
+            <a:pPr indent="-298450" lvl="0" marL="457200" rtl="0" algn="l">
+              <a:lnSpc>
+                <a:spcPct val="115000"/>
+              </a:lnSpc>
+              <a:spcBef>
+                <a:spcPts val="0"/>
+              </a:spcBef>
+              <a:spcAft>
+                <a:spcPts val="0"/>
+              </a:spcAft>
+              <a:buClr>
+                <a:schemeClr val="dk1"/>
+              </a:buClr>
+              <a:buSzPts val="1100"/>
+              <a:buChar char="●"/>
+            </a:pPr>
+            <a:r>
+              <a:rPr lang="en-GB">
+                <a:solidFill>
+                  <a:schemeClr val="dk1"/>
+                </a:solidFill>
+              </a:rPr>
+              <a:t>the freedom to share the software with their friends and neighbours, and</a:t>
+            </a:r>
+            <a:endParaRPr>
+              <a:solidFill>
+                <a:schemeClr val="dk1"/>
+              </a:solidFill>
+            </a:endParaRPr>
+          </a:p>
+          <a:p>
+            <a:pPr indent="-298450" lvl="0" marL="457200" rtl="0" algn="l">
+              <a:lnSpc>
+                <a:spcPct val="115000"/>
+              </a:lnSpc>
+              <a:spcBef>
+                <a:spcPts val="0"/>
+              </a:spcBef>
+              <a:spcAft>
+                <a:spcPts val="0"/>
+              </a:spcAft>
+              <a:buClr>
+                <a:schemeClr val="dk1"/>
+              </a:buClr>
+              <a:buSzPts val="1100"/>
+              <a:buChar char="●"/>
+            </a:pPr>
+            <a:r>
+              <a:rPr lang="en-GB">
+                <a:solidFill>
+                  <a:schemeClr val="dk1"/>
+                </a:solidFill>
+              </a:rPr>
+              <a:t>the freedom to share the changes you make.</a:t>
+            </a:r>
+            <a:endParaRPr>
+              <a:solidFill>
+                <a:schemeClr val="dk1"/>
+              </a:solidFill>
+            </a:endParaRPr>
+          </a:p>
+          <a:p>
+            <a:pPr indent="0" lvl="0" marL="0" rtl="0" algn="l">
+              <a:lnSpc>
+                <a:spcPct val="115000"/>
+              </a:lnSpc>
+              <a:spcBef>
+                <a:spcPts val="1200"/>
+              </a:spcBef>
+              <a:spcAft>
+                <a:spcPts val="0"/>
+              </a:spcAft>
+              <a:buClr>
+                <a:schemeClr val="dk1"/>
+              </a:buClr>
+              <a:buSzPts val="1100"/>
+              <a:buFont typeface="Arial"/>
+              <a:buNone/>
+            </a:pPr>
+            <a:r>
+              <a:rPr lang="en-GB">
+                <a:solidFill>
+                  <a:schemeClr val="dk1"/>
+                </a:solidFill>
+              </a:rPr>
+              <a:t>We find that this gives us and the client the greatest levels of flexibility during and after the project's development.</a:t>
+            </a:r>
+            <a:endParaRPr>
+              <a:solidFill>
+                <a:schemeClr val="dk1"/>
+              </a:solidFill>
+            </a:endParaRPr>
+          </a:p>
+          <a:p>
+            <a:pPr indent="0" lvl="0" marL="0" rtl="0" algn="l">
+              <a:lnSpc>
+                <a:spcPct val="115000"/>
+              </a:lnSpc>
+              <a:spcBef>
+                <a:spcPts val="1200"/>
+              </a:spcBef>
+              <a:spcAft>
+                <a:spcPts val="1200"/>
+              </a:spcAft>
+              <a:buNone/>
+            </a:pPr>
+            <a:r>
+              <a:t/>
+            </a:r>
+            <a:endParaRPr>
+              <a:solidFill>
+                <a:schemeClr val="dk1"/>
+              </a:solidFill>
+            </a:endParaRPr>
           </a:p>
         </p:txBody>
       </p:sp>
@@ -1467,7 +2368,7 @@
   <p:cSld>
     <p:spTree>
       <p:nvGrpSpPr>
-        <p:cNvPr id="154" name="Shape 154"/>
+        <p:cNvPr id="146" name="Shape 146"/>
         <p:cNvGrpSpPr/>
         <p:nvPr/>
       </p:nvGrpSpPr>
@@ -1481,7 +2382,7 @@
       </p:grpSpPr>
       <p:sp>
         <p:nvSpPr>
-          <p:cNvPr id="155" name="Google Shape;155;g125b272e931_2_19:notes"/>
+          <p:cNvPr id="147" name="Google Shape;147;g12622a6b4c9_1_12:notes"/>
           <p:cNvSpPr/>
           <p:nvPr>
             <p:ph idx="2" type="sldImg"/>
@@ -1516,7 +2417,7 @@
       </p:sp>
       <p:sp>
         <p:nvSpPr>
-          <p:cNvPr id="156" name="Google Shape;156;g125b272e931_2_19:notes"/>
+          <p:cNvPr id="148" name="Google Shape;148;g12622a6b4c9_1_12:notes"/>
           <p:cNvSpPr txBox="1"/>
           <p:nvPr>
             <p:ph idx="1" type="body"/>
@@ -1547,20 +2448,23 @@
               <a:buNone/>
             </a:pPr>
             <a:r>
-              <a:rPr lang="en-GB"/>
-              <a:t>The internal systems have been built within the Docker Engine which would be called a container which can </a:t>
-            </a:r>
-            <a:r>
-              <a:rPr lang="en-GB"/>
-              <a:t>easily</a:t>
-            </a:r>
-            <a:r>
-              <a:rPr lang="en-GB"/>
-              <a:t> deploy and host the </a:t>
-            </a:r>
-            <a:r>
-              <a:rPr lang="en-GB"/>
-              <a:t>environment.</a:t>
+              <a:rPr b="1" lang="en-GB"/>
+              <a:t>Bogdan</a:t>
+            </a:r>
+            <a:endParaRPr b="1"/>
+          </a:p>
+          <a:p>
+            <a:pPr indent="0" lvl="0" marL="0" rtl="0" algn="l">
+              <a:spcBef>
+                <a:spcPts val="0"/>
+              </a:spcBef>
+              <a:spcAft>
+                <a:spcPts val="0"/>
+              </a:spcAft>
+              <a:buNone/>
+            </a:pPr>
+            <a:r>
+              <a:t/>
             </a:r>
             <a:endParaRPr/>
           </a:p>
@@ -1575,89 +2479,8 @@
               <a:buNone/>
             </a:pPr>
             <a:r>
-              <a:t/>
-            </a:r>
-            <a:endParaRPr/>
-          </a:p>
-          <a:p>
-            <a:pPr indent="-298450" lvl="0" marL="457200" rtl="0" algn="l">
-              <a:spcBef>
-                <a:spcPts val="0"/>
-              </a:spcBef>
-              <a:spcAft>
-                <a:spcPts val="0"/>
-              </a:spcAft>
-              <a:buSzPts val="1100"/>
-              <a:buChar char="●"/>
-            </a:pPr>
-            <a:r>
               <a:rPr lang="en-GB"/>
-              <a:t>Internal systems build with Docker</a:t>
-            </a:r>
-            <a:endParaRPr/>
-          </a:p>
-          <a:p>
-            <a:pPr indent="-298450" lvl="0" marL="457200" rtl="0" algn="l">
-              <a:spcBef>
-                <a:spcPts val="0"/>
-              </a:spcBef>
-              <a:spcAft>
-                <a:spcPts val="0"/>
-              </a:spcAft>
-              <a:buSzPts val="1100"/>
-              <a:buChar char="●"/>
-            </a:pPr>
-            <a:r>
-              <a:rPr lang="en-GB"/>
-              <a:t>Easily deployable</a:t>
-            </a:r>
-            <a:endParaRPr/>
-          </a:p>
-          <a:p>
-            <a:pPr indent="-298450" lvl="0" marL="457200" rtl="0" algn="l">
-              <a:spcBef>
-                <a:spcPts val="0"/>
-              </a:spcBef>
-              <a:spcAft>
-                <a:spcPts val="0"/>
-              </a:spcAft>
-              <a:buSzPts val="1100"/>
-              <a:buChar char="●"/>
-            </a:pPr>
-            <a:r>
-              <a:rPr lang="en-GB"/>
-              <a:t>Separate containers to reduce the risk of conflicts</a:t>
-            </a:r>
-            <a:endParaRPr/>
-          </a:p>
-          <a:p>
-            <a:pPr indent="-298450" lvl="0" marL="457200" rtl="0" algn="l">
-              <a:spcBef>
-                <a:spcPts val="0"/>
-              </a:spcBef>
-              <a:spcAft>
-                <a:spcPts val="0"/>
-              </a:spcAft>
-              <a:buSzPts val="1100"/>
-              <a:buChar char="●"/>
-            </a:pPr>
-            <a:r>
-              <a:t/>
-            </a:r>
-            <a:endParaRPr/>
-          </a:p>
-          <a:p>
-            <a:pPr indent="0" lvl="0" marL="0" rtl="0" algn="l">
-              <a:spcBef>
-                <a:spcPts val="0"/>
-              </a:spcBef>
-              <a:spcAft>
-                <a:spcPts val="0"/>
-              </a:spcAft>
-              <a:buNone/>
-            </a:pPr>
-            <a:r>
-              <a:t/>
+              <a:t>Front end was done using PUG and CSS. The css file contains the styling for the entire website  from font , colours, background, al the way to transitions.</a:t>
             </a:r>
             <a:endParaRPr/>
           </a:p>
@@ -1676,7 +2499,7 @@
   <p:cSld>
     <p:spTree>
       <p:nvGrpSpPr>
-        <p:cNvPr id="161" name="Shape 161"/>
+        <p:cNvPr id="153" name="Shape 153"/>
         <p:cNvGrpSpPr/>
         <p:nvPr/>
       </p:nvGrpSpPr>
@@ -1690,7 +2513,7 @@
       </p:grpSpPr>
       <p:sp>
         <p:nvSpPr>
-          <p:cNvPr id="162" name="Google Shape;162;g12264ae34cd_0_250:notes"/>
+          <p:cNvPr id="154" name="Google Shape;154;g12264ae34cd_0_274:notes"/>
           <p:cNvSpPr/>
           <p:nvPr>
             <p:ph idx="2" type="sldImg"/>
@@ -1725,7 +2548,7 @@
       </p:sp>
       <p:sp>
         <p:nvSpPr>
-          <p:cNvPr id="163" name="Google Shape;163;g12264ae34cd_0_250:notes"/>
+          <p:cNvPr id="155" name="Google Shape;155;g12264ae34cd_0_274:notes"/>
           <p:cNvSpPr txBox="1"/>
           <p:nvPr>
             <p:ph idx="1" type="body"/>
@@ -1747,17 +2570,595 @@
           <a:lstStyle/>
           <a:p>
             <a:pPr indent="0" lvl="0" marL="0" rtl="0" algn="l">
-              <a:spcBef>
-                <a:spcPts val="0"/>
-              </a:spcBef>
-              <a:spcAft>
-                <a:spcPts val="0"/>
-              </a:spcAft>
+              <a:lnSpc>
+                <a:spcPct val="115000"/>
+              </a:lnSpc>
+              <a:spcBef>
+                <a:spcPts val="0"/>
+              </a:spcBef>
+              <a:spcAft>
+                <a:spcPts val="0"/>
+              </a:spcAft>
+              <a:buClr>
+                <a:schemeClr val="dk1"/>
+              </a:buClr>
+              <a:buSzPts val="1100"/>
+              <a:buFont typeface="Arial"/>
               <a:buNone/>
             </a:pPr>
             <a:r>
-              <a:rPr lang="en-GB"/>
-              <a:t>We can present our website</a:t>
+              <a:rPr b="1" lang="en-GB">
+                <a:solidFill>
+                  <a:schemeClr val="dk1"/>
+                </a:solidFill>
+              </a:rPr>
+              <a:t>Zak</a:t>
+            </a:r>
+            <a:endParaRPr b="1">
+              <a:solidFill>
+                <a:schemeClr val="dk1"/>
+              </a:solidFill>
+            </a:endParaRPr>
+          </a:p>
+          <a:p>
+            <a:pPr indent="0" lvl="0" marL="0" rtl="0" algn="l">
+              <a:lnSpc>
+                <a:spcPct val="115000"/>
+              </a:lnSpc>
+              <a:spcBef>
+                <a:spcPts val="0"/>
+              </a:spcBef>
+              <a:spcAft>
+                <a:spcPts val="0"/>
+              </a:spcAft>
+              <a:buClr>
+                <a:schemeClr val="dk1"/>
+              </a:buClr>
+              <a:buSzPts val="1100"/>
+              <a:buFont typeface="Arial"/>
+              <a:buNone/>
+            </a:pPr>
+            <a:r>
+              <a:t/>
+            </a:r>
+            <a:endParaRPr>
+              <a:solidFill>
+                <a:schemeClr val="dk1"/>
+              </a:solidFill>
+            </a:endParaRPr>
+          </a:p>
+          <a:p>
+            <a:pPr indent="0" lvl="0" marL="0" rtl="0" algn="l">
+              <a:lnSpc>
+                <a:spcPct val="115000"/>
+              </a:lnSpc>
+              <a:spcBef>
+                <a:spcPts val="0"/>
+              </a:spcBef>
+              <a:spcAft>
+                <a:spcPts val="0"/>
+              </a:spcAft>
+              <a:buClr>
+                <a:schemeClr val="dk1"/>
+              </a:buClr>
+              <a:buSzPts val="1100"/>
+              <a:buFont typeface="Arial"/>
+              <a:buNone/>
+            </a:pPr>
+            <a:r>
+              <a:rPr lang="en-GB">
+                <a:solidFill>
+                  <a:schemeClr val="dk1"/>
+                </a:solidFill>
+              </a:rPr>
+              <a:t>List of technologies that will be used:</a:t>
+            </a:r>
+            <a:endParaRPr>
+              <a:solidFill>
+                <a:schemeClr val="dk1"/>
+              </a:solidFill>
+            </a:endParaRPr>
+          </a:p>
+          <a:p>
+            <a:pPr indent="-298450" lvl="0" marL="457200" rtl="0" algn="l">
+              <a:lnSpc>
+                <a:spcPct val="115000"/>
+              </a:lnSpc>
+              <a:spcBef>
+                <a:spcPts val="0"/>
+              </a:spcBef>
+              <a:spcAft>
+                <a:spcPts val="0"/>
+              </a:spcAft>
+              <a:buClr>
+                <a:schemeClr val="dk1"/>
+              </a:buClr>
+              <a:buSzPts val="1100"/>
+              <a:buChar char="●"/>
+            </a:pPr>
+            <a:r>
+              <a:rPr b="1" lang="en-GB">
+                <a:solidFill>
+                  <a:schemeClr val="dk1"/>
+                </a:solidFill>
+              </a:rPr>
+              <a:t>Visual Studio Code (1.66.2) </a:t>
+            </a:r>
+            <a:r>
+              <a:rPr lang="en-GB">
+                <a:solidFill>
+                  <a:schemeClr val="dk1"/>
+                </a:solidFill>
+              </a:rPr>
+              <a:t>- Text Editor used for our team members</a:t>
+            </a:r>
+            <a:endParaRPr>
+              <a:solidFill>
+                <a:schemeClr val="dk1"/>
+              </a:solidFill>
+            </a:endParaRPr>
+          </a:p>
+          <a:p>
+            <a:pPr indent="-298450" lvl="0" marL="457200" rtl="0" algn="l">
+              <a:lnSpc>
+                <a:spcPct val="115000"/>
+              </a:lnSpc>
+              <a:spcBef>
+                <a:spcPts val="0"/>
+              </a:spcBef>
+              <a:spcAft>
+                <a:spcPts val="0"/>
+              </a:spcAft>
+              <a:buClr>
+                <a:schemeClr val="dk1"/>
+              </a:buClr>
+              <a:buSzPts val="1100"/>
+              <a:buChar char="●"/>
+            </a:pPr>
+            <a:r>
+              <a:rPr b="1" lang="en-GB">
+                <a:solidFill>
+                  <a:schemeClr val="dk1"/>
+                </a:solidFill>
+              </a:rPr>
+              <a:t>GitHub Desktop (2.9.12) </a:t>
+            </a:r>
+            <a:r>
+              <a:rPr lang="en-GB">
+                <a:solidFill>
+                  <a:schemeClr val="dk1"/>
+                </a:solidFill>
+              </a:rPr>
+              <a:t>- Git project management </a:t>
+            </a:r>
+            <a:endParaRPr>
+              <a:solidFill>
+                <a:schemeClr val="dk1"/>
+              </a:solidFill>
+            </a:endParaRPr>
+          </a:p>
+          <a:p>
+            <a:pPr indent="-298450" lvl="0" marL="457200" rtl="0" algn="l">
+              <a:lnSpc>
+                <a:spcPct val="115000"/>
+              </a:lnSpc>
+              <a:spcBef>
+                <a:spcPts val="0"/>
+              </a:spcBef>
+              <a:spcAft>
+                <a:spcPts val="0"/>
+              </a:spcAft>
+              <a:buClr>
+                <a:schemeClr val="dk1"/>
+              </a:buClr>
+              <a:buSzPts val="1100"/>
+              <a:buChar char="●"/>
+            </a:pPr>
+            <a:r>
+              <a:rPr b="1" lang="en-GB">
+                <a:solidFill>
+                  <a:schemeClr val="dk1"/>
+                </a:solidFill>
+              </a:rPr>
+              <a:t>Node.js (8.5.5)</a:t>
+            </a:r>
+            <a:r>
+              <a:rPr lang="en-GB">
+                <a:solidFill>
+                  <a:schemeClr val="dk1"/>
+                </a:solidFill>
+              </a:rPr>
+              <a:t> - Used because of requirements</a:t>
+            </a:r>
+            <a:endParaRPr>
+              <a:solidFill>
+                <a:schemeClr val="dk1"/>
+              </a:solidFill>
+            </a:endParaRPr>
+          </a:p>
+          <a:p>
+            <a:pPr indent="-298450" lvl="0" marL="457200" rtl="0" algn="l">
+              <a:lnSpc>
+                <a:spcPct val="115000"/>
+              </a:lnSpc>
+              <a:spcBef>
+                <a:spcPts val="0"/>
+              </a:spcBef>
+              <a:spcAft>
+                <a:spcPts val="0"/>
+              </a:spcAft>
+              <a:buClr>
+                <a:schemeClr val="dk1"/>
+              </a:buClr>
+              <a:buSzPts val="1100"/>
+              <a:buChar char="●"/>
+            </a:pPr>
+            <a:r>
+              <a:rPr b="1" lang="en-GB">
+                <a:solidFill>
+                  <a:schemeClr val="dk1"/>
+                </a:solidFill>
+              </a:rPr>
+              <a:t>PUG (3.0.2)</a:t>
+            </a:r>
+            <a:r>
+              <a:rPr lang="en-GB">
+                <a:solidFill>
+                  <a:schemeClr val="dk1"/>
+                </a:solidFill>
+              </a:rPr>
+              <a:t> - Used because of requirements</a:t>
+            </a:r>
+            <a:endParaRPr>
+              <a:solidFill>
+                <a:schemeClr val="dk1"/>
+              </a:solidFill>
+            </a:endParaRPr>
+          </a:p>
+          <a:p>
+            <a:pPr indent="-298450" lvl="0" marL="457200" rtl="0" algn="l">
+              <a:lnSpc>
+                <a:spcPct val="115000"/>
+              </a:lnSpc>
+              <a:spcBef>
+                <a:spcPts val="0"/>
+              </a:spcBef>
+              <a:spcAft>
+                <a:spcPts val="0"/>
+              </a:spcAft>
+              <a:buClr>
+                <a:schemeClr val="dk1"/>
+              </a:buClr>
+              <a:buSzPts val="1100"/>
+              <a:buChar char="●"/>
+            </a:pPr>
+            <a:r>
+              <a:rPr b="1" lang="en-GB">
+                <a:solidFill>
+                  <a:schemeClr val="dk1"/>
+                </a:solidFill>
+              </a:rPr>
+              <a:t>Express.js (4.16.1)</a:t>
+            </a:r>
+            <a:r>
+              <a:rPr lang="en-GB">
+                <a:solidFill>
+                  <a:schemeClr val="dk1"/>
+                </a:solidFill>
+              </a:rPr>
+              <a:t> - Used because of requirements</a:t>
+            </a:r>
+            <a:endParaRPr>
+              <a:solidFill>
+                <a:schemeClr val="dk1"/>
+              </a:solidFill>
+            </a:endParaRPr>
+          </a:p>
+          <a:p>
+            <a:pPr indent="-298450" lvl="0" marL="457200" rtl="0" algn="l">
+              <a:lnSpc>
+                <a:spcPct val="115000"/>
+              </a:lnSpc>
+              <a:spcBef>
+                <a:spcPts val="0"/>
+              </a:spcBef>
+              <a:spcAft>
+                <a:spcPts val="0"/>
+              </a:spcAft>
+              <a:buClr>
+                <a:schemeClr val="dk1"/>
+              </a:buClr>
+              <a:buSzPts val="1100"/>
+              <a:buChar char="●"/>
+            </a:pPr>
+            <a:r>
+              <a:rPr b="1" lang="en-GB">
+                <a:solidFill>
+                  <a:schemeClr val="dk1"/>
+                </a:solidFill>
+              </a:rPr>
+              <a:t>Bootstrap (5.1.3)</a:t>
+            </a:r>
+            <a:r>
+              <a:rPr lang="en-GB">
+                <a:solidFill>
+                  <a:schemeClr val="dk1"/>
+                </a:solidFill>
+              </a:rPr>
+              <a:t> - Style sheets</a:t>
+            </a:r>
+            <a:endParaRPr>
+              <a:solidFill>
+                <a:schemeClr val="dk1"/>
+              </a:solidFill>
+            </a:endParaRPr>
+          </a:p>
+          <a:p>
+            <a:pPr indent="-298450" lvl="0" marL="457200" rtl="0" algn="l">
+              <a:lnSpc>
+                <a:spcPct val="115000"/>
+              </a:lnSpc>
+              <a:spcBef>
+                <a:spcPts val="0"/>
+              </a:spcBef>
+              <a:spcAft>
+                <a:spcPts val="0"/>
+              </a:spcAft>
+              <a:buClr>
+                <a:schemeClr val="dk1"/>
+              </a:buClr>
+              <a:buSzPts val="1100"/>
+              <a:buChar char="●"/>
+            </a:pPr>
+            <a:r>
+              <a:rPr b="1" lang="en-GB">
+                <a:solidFill>
+                  <a:schemeClr val="dk1"/>
+                </a:solidFill>
+              </a:rPr>
+              <a:t>Bootstrap Icons (1.8.1) </a:t>
+            </a:r>
+            <a:r>
+              <a:rPr lang="en-GB">
+                <a:solidFill>
+                  <a:schemeClr val="dk1"/>
+                </a:solidFill>
+              </a:rPr>
+              <a:t> - SVG icons by Bootstrap</a:t>
+            </a:r>
+            <a:endParaRPr>
+              <a:solidFill>
+                <a:schemeClr val="dk1"/>
+              </a:solidFill>
+            </a:endParaRPr>
+          </a:p>
+          <a:p>
+            <a:pPr indent="-298450" lvl="0" marL="457200" rtl="0" algn="l">
+              <a:lnSpc>
+                <a:spcPct val="115000"/>
+              </a:lnSpc>
+              <a:spcBef>
+                <a:spcPts val="0"/>
+              </a:spcBef>
+              <a:spcAft>
+                <a:spcPts val="0"/>
+              </a:spcAft>
+              <a:buClr>
+                <a:schemeClr val="dk1"/>
+              </a:buClr>
+              <a:buSzPts val="1100"/>
+              <a:buChar char="●"/>
+            </a:pPr>
+            <a:r>
+              <a:rPr b="1" lang="en-GB">
+                <a:solidFill>
+                  <a:schemeClr val="dk1"/>
+                </a:solidFill>
+              </a:rPr>
+              <a:t>Travis CI </a:t>
+            </a:r>
+            <a:r>
+              <a:rPr lang="en-GB">
+                <a:solidFill>
+                  <a:schemeClr val="dk1"/>
+                </a:solidFill>
+              </a:rPr>
+              <a:t>- Continuous Integration</a:t>
+            </a:r>
+            <a:endParaRPr>
+              <a:solidFill>
+                <a:schemeClr val="dk1"/>
+              </a:solidFill>
+            </a:endParaRPr>
+          </a:p>
+          <a:p>
+            <a:pPr indent="-298450" lvl="0" marL="457200" rtl="0" algn="l">
+              <a:lnSpc>
+                <a:spcPct val="115000"/>
+              </a:lnSpc>
+              <a:spcBef>
+                <a:spcPts val="0"/>
+              </a:spcBef>
+              <a:spcAft>
+                <a:spcPts val="0"/>
+              </a:spcAft>
+              <a:buClr>
+                <a:schemeClr val="dk1"/>
+              </a:buClr>
+              <a:buSzPts val="1100"/>
+              <a:buChar char="●"/>
+            </a:pPr>
+            <a:r>
+              <a:rPr b="1" lang="en-GB">
+                <a:solidFill>
+                  <a:schemeClr val="dk1"/>
+                </a:solidFill>
+              </a:rPr>
+              <a:t>Cypress (9.5.4)</a:t>
+            </a:r>
+            <a:r>
+              <a:rPr lang="en-GB">
+                <a:solidFill>
+                  <a:schemeClr val="dk1"/>
+                </a:solidFill>
+              </a:rPr>
+              <a:t> - Unit testing</a:t>
+            </a:r>
+            <a:endParaRPr>
+              <a:solidFill>
+                <a:schemeClr val="dk1"/>
+              </a:solidFill>
+            </a:endParaRPr>
+          </a:p>
+          <a:p>
+            <a:pPr indent="-298450" lvl="0" marL="457200" rtl="0" algn="l">
+              <a:lnSpc>
+                <a:spcPct val="115000"/>
+              </a:lnSpc>
+              <a:spcBef>
+                <a:spcPts val="0"/>
+              </a:spcBef>
+              <a:spcAft>
+                <a:spcPts val="0"/>
+              </a:spcAft>
+              <a:buClr>
+                <a:schemeClr val="dk1"/>
+              </a:buClr>
+              <a:buSzPts val="1100"/>
+              <a:buChar char="●"/>
+            </a:pPr>
+            <a:r>
+              <a:rPr b="1" lang="en-GB">
+                <a:solidFill>
+                  <a:schemeClr val="dk1"/>
+                </a:solidFill>
+              </a:rPr>
+              <a:t>Docker (4.5.0)</a:t>
+            </a:r>
+            <a:r>
+              <a:rPr lang="en-GB">
+                <a:solidFill>
+                  <a:schemeClr val="dk1"/>
+                </a:solidFill>
+              </a:rPr>
+              <a:t> - Container for project</a:t>
+            </a:r>
+            <a:endParaRPr>
+              <a:solidFill>
+                <a:schemeClr val="dk1"/>
+              </a:solidFill>
+            </a:endParaRPr>
+          </a:p>
+          <a:p>
+            <a:pPr indent="-298450" lvl="0" marL="457200" rtl="0" algn="l">
+              <a:lnSpc>
+                <a:spcPct val="115000"/>
+              </a:lnSpc>
+              <a:spcBef>
+                <a:spcPts val="0"/>
+              </a:spcBef>
+              <a:spcAft>
+                <a:spcPts val="0"/>
+              </a:spcAft>
+              <a:buClr>
+                <a:schemeClr val="dk1"/>
+              </a:buClr>
+              <a:buSzPts val="1100"/>
+              <a:buChar char="●"/>
+            </a:pPr>
+            <a:r>
+              <a:rPr b="1" lang="en-GB">
+                <a:solidFill>
+                  <a:schemeClr val="dk1"/>
+                </a:solidFill>
+              </a:rPr>
+              <a:t>MySQL (2.18.1) </a:t>
+            </a:r>
+            <a:r>
+              <a:rPr lang="en-GB">
+                <a:solidFill>
+                  <a:schemeClr val="dk1"/>
+                </a:solidFill>
+              </a:rPr>
+              <a:t>- Database language</a:t>
+            </a:r>
+            <a:endParaRPr>
+              <a:solidFill>
+                <a:schemeClr val="dk1"/>
+              </a:solidFill>
+            </a:endParaRPr>
+          </a:p>
+          <a:p>
+            <a:pPr indent="0" lvl="0" marL="0" rtl="0" algn="l">
+              <a:lnSpc>
+                <a:spcPct val="115000"/>
+              </a:lnSpc>
+              <a:spcBef>
+                <a:spcPts val="0"/>
+              </a:spcBef>
+              <a:spcAft>
+                <a:spcPts val="0"/>
+              </a:spcAft>
+              <a:buClr>
+                <a:schemeClr val="dk1"/>
+              </a:buClr>
+              <a:buSzPts val="1100"/>
+              <a:buFont typeface="Arial"/>
+              <a:buNone/>
+            </a:pPr>
+            <a:r>
+              <a:t/>
+            </a:r>
+            <a:endParaRPr>
+              <a:solidFill>
+                <a:schemeClr val="dk1"/>
+              </a:solidFill>
+            </a:endParaRPr>
+          </a:p>
+          <a:p>
+            <a:pPr indent="0" lvl="0" marL="0" rtl="0" algn="l">
+              <a:lnSpc>
+                <a:spcPct val="115000"/>
+              </a:lnSpc>
+              <a:spcBef>
+                <a:spcPts val="0"/>
+              </a:spcBef>
+              <a:spcAft>
+                <a:spcPts val="0"/>
+              </a:spcAft>
+              <a:buClr>
+                <a:schemeClr val="dk1"/>
+              </a:buClr>
+              <a:buSzPts val="1100"/>
+              <a:buFont typeface="Arial"/>
+              <a:buNone/>
+            </a:pPr>
+            <a:r>
+              <a:rPr lang="en-GB">
+                <a:solidFill>
+                  <a:schemeClr val="dk1"/>
+                </a:solidFill>
+              </a:rPr>
+              <a:t>A full detailed explanation as to how each package will be used can be seen in the Appendix.</a:t>
+            </a:r>
+            <a:endParaRPr>
+              <a:solidFill>
+                <a:schemeClr val="dk1"/>
+              </a:solidFill>
+            </a:endParaRPr>
+          </a:p>
+          <a:p>
+            <a:pPr indent="0" lvl="0" marL="0" rtl="0" algn="l">
+              <a:spcBef>
+                <a:spcPts val="0"/>
+              </a:spcBef>
+              <a:spcAft>
+                <a:spcPts val="0"/>
+              </a:spcAft>
+              <a:buNone/>
+            </a:pPr>
+            <a:r>
+              <a:t/>
             </a:r>
             <a:endParaRPr/>
           </a:p>
@@ -1776,7 +3177,7 @@
   <p:cSld>
     <p:spTree>
       <p:nvGrpSpPr>
-        <p:cNvPr id="167" name="Shape 167"/>
+        <p:cNvPr id="168" name="Shape 168"/>
         <p:cNvGrpSpPr/>
         <p:nvPr/>
       </p:nvGrpSpPr>
@@ -1790,7 +3191,7 @@
       </p:grpSpPr>
       <p:sp>
         <p:nvSpPr>
-          <p:cNvPr id="168" name="Google Shape;168;g125b272e931_2_10:notes"/>
+          <p:cNvPr id="169" name="Google Shape;169;g12622a6b4c9_1_0:notes"/>
           <p:cNvSpPr/>
           <p:nvPr>
             <p:ph idx="2" type="sldImg"/>
@@ -1825,7 +3226,489 @@
       </p:sp>
       <p:sp>
         <p:nvSpPr>
-          <p:cNvPr id="169" name="Google Shape;169;g125b272e931_2_10:notes"/>
+          <p:cNvPr id="170" name="Google Shape;170;g12622a6b4c9_1_0:notes"/>
+          <p:cNvSpPr txBox="1"/>
+          <p:nvPr>
+            <p:ph idx="1" type="body"/>
+          </p:nvPr>
+        </p:nvSpPr>
+        <p:spPr>
+          <a:xfrm>
+            <a:off x="685800" y="4343400"/>
+            <a:ext cx="5486400" cy="4114800"/>
+          </a:xfrm>
+          <a:prstGeom prst="rect">
+            <a:avLst/>
+          </a:prstGeom>
+        </p:spPr>
+        <p:txBody>
+          <a:bodyPr anchorCtr="0" anchor="t" bIns="91425" lIns="91425" spcFirstLastPara="1" rIns="91425" wrap="square" tIns="91425">
+            <a:noAutofit/>
+          </a:bodyPr>
+          <a:lstStyle/>
+          <a:p>
+            <a:pPr indent="0" lvl="0" marL="0" rtl="0" algn="l">
+              <a:spcBef>
+                <a:spcPts val="0"/>
+              </a:spcBef>
+              <a:spcAft>
+                <a:spcPts val="0"/>
+              </a:spcAft>
+              <a:buNone/>
+            </a:pPr>
+            <a:r>
+              <a:rPr b="1" lang="en-GB"/>
+              <a:t>Bogdan</a:t>
+            </a:r>
+            <a:endParaRPr b="1"/>
+          </a:p>
+          <a:p>
+            <a:pPr indent="0" lvl="0" marL="0" rtl="0" algn="l">
+              <a:spcBef>
+                <a:spcPts val="0"/>
+              </a:spcBef>
+              <a:spcAft>
+                <a:spcPts val="0"/>
+              </a:spcAft>
+              <a:buNone/>
+            </a:pPr>
+            <a:r>
+              <a:t/>
+            </a:r>
+            <a:endParaRPr b="1"/>
+          </a:p>
+          <a:p>
+            <a:pPr indent="-298450" lvl="0" marL="457200" rtl="0" algn="l">
+              <a:spcBef>
+                <a:spcPts val="0"/>
+              </a:spcBef>
+              <a:spcAft>
+                <a:spcPts val="0"/>
+              </a:spcAft>
+              <a:buSzPts val="1100"/>
+              <a:buAutoNum type="arabicPeriod"/>
+            </a:pPr>
+            <a:r>
+              <a:t/>
+            </a:r>
+            <a:endParaRPr/>
+          </a:p>
+          <a:p>
+            <a:pPr indent="-298450" lvl="0" marL="457200" rtl="0" algn="l">
+              <a:spcBef>
+                <a:spcPts val="0"/>
+              </a:spcBef>
+              <a:spcAft>
+                <a:spcPts val="0"/>
+              </a:spcAft>
+              <a:buSzPts val="1100"/>
+              <a:buAutoNum type="arabicPeriod"/>
+            </a:pPr>
+            <a:r>
+              <a:rPr lang="en-GB"/>
+              <a:t>Zakariya Oulhadj (Team Leader 1)</a:t>
+            </a:r>
+            <a:endParaRPr/>
+          </a:p>
+          <a:p>
+            <a:pPr indent="-298450" lvl="1" marL="914400" rtl="0" algn="l">
+              <a:spcBef>
+                <a:spcPts val="0"/>
+              </a:spcBef>
+              <a:spcAft>
+                <a:spcPts val="0"/>
+              </a:spcAft>
+              <a:buSzPts val="1100"/>
+              <a:buAutoNum type="alphaLcPeriod"/>
+            </a:pPr>
+            <a:r>
+              <a:rPr lang="en-GB"/>
+              <a:t>Responsible for managing the group</a:t>
+            </a:r>
+            <a:endParaRPr/>
+          </a:p>
+          <a:p>
+            <a:pPr indent="-298450" lvl="1" marL="914400" rtl="0" algn="l">
+              <a:spcBef>
+                <a:spcPts val="0"/>
+              </a:spcBef>
+              <a:spcAft>
+                <a:spcPts val="0"/>
+              </a:spcAft>
+              <a:buSzPts val="1100"/>
+              <a:buAutoNum type="alphaLcPeriod"/>
+            </a:pPr>
+            <a:r>
+              <a:t/>
+            </a:r>
+            <a:endParaRPr/>
+          </a:p>
+          <a:p>
+            <a:pPr indent="-298450" lvl="0" marL="457200" rtl="0" algn="l">
+              <a:spcBef>
+                <a:spcPts val="0"/>
+              </a:spcBef>
+              <a:spcAft>
+                <a:spcPts val="0"/>
+              </a:spcAft>
+              <a:buSzPts val="1100"/>
+              <a:buAutoNum type="arabicPeriod"/>
+            </a:pPr>
+            <a:r>
+              <a:rPr lang="en-GB"/>
+              <a:t>Bogdan (Team Leader 2)</a:t>
+            </a:r>
+            <a:endParaRPr/>
+          </a:p>
+          <a:p>
+            <a:pPr indent="-298450" lvl="1" marL="914400" rtl="0" algn="l">
+              <a:spcBef>
+                <a:spcPts val="0"/>
+              </a:spcBef>
+              <a:spcAft>
+                <a:spcPts val="0"/>
+              </a:spcAft>
+              <a:buSzPts val="1100"/>
+              <a:buAutoNum type="alphaLcPeriod"/>
+            </a:pPr>
+            <a:r>
+              <a:rPr lang="en-GB"/>
+              <a:t>The second team leader that….</a:t>
+            </a:r>
+            <a:endParaRPr/>
+          </a:p>
+          <a:p>
+            <a:pPr indent="-298450" lvl="0" marL="457200" rtl="0" algn="l">
+              <a:spcBef>
+                <a:spcPts val="0"/>
+              </a:spcBef>
+              <a:spcAft>
+                <a:spcPts val="0"/>
+              </a:spcAft>
+              <a:buSzPts val="1100"/>
+              <a:buAutoNum type="arabicPeriod"/>
+            </a:pPr>
+            <a:r>
+              <a:rPr lang="en-GB"/>
+              <a:t>Taylor Head (Scrum Master)</a:t>
+            </a:r>
+            <a:endParaRPr/>
+          </a:p>
+          <a:p>
+            <a:pPr indent="-298450" lvl="1" marL="914400" rtl="0" algn="l">
+              <a:spcBef>
+                <a:spcPts val="0"/>
+              </a:spcBef>
+              <a:spcAft>
+                <a:spcPts val="0"/>
+              </a:spcAft>
+              <a:buSzPts val="1100"/>
+              <a:buAutoNum type="alphaLcPeriod"/>
+            </a:pPr>
+            <a:r>
+              <a:rPr lang="en-GB"/>
+              <a:t>The scrum master which …..</a:t>
+            </a:r>
+            <a:endParaRPr/>
+          </a:p>
+          <a:p>
+            <a:pPr indent="0" lvl="0" marL="0" rtl="0" algn="l">
+              <a:spcBef>
+                <a:spcPts val="0"/>
+              </a:spcBef>
+              <a:spcAft>
+                <a:spcPts val="0"/>
+              </a:spcAft>
+              <a:buNone/>
+            </a:pPr>
+            <a:r>
+              <a:t/>
+            </a:r>
+            <a:endParaRPr/>
+          </a:p>
+          <a:p>
+            <a:pPr indent="0" lvl="0" marL="0" rtl="0" algn="l">
+              <a:spcBef>
+                <a:spcPts val="0"/>
+              </a:spcBef>
+              <a:spcAft>
+                <a:spcPts val="0"/>
+              </a:spcAft>
+              <a:buNone/>
+            </a:pPr>
+            <a:r>
+              <a:t/>
+            </a:r>
+            <a:endParaRPr/>
+          </a:p>
+          <a:p>
+            <a:pPr indent="0" lvl="0" marL="0" rtl="0" algn="l">
+              <a:spcBef>
+                <a:spcPts val="0"/>
+              </a:spcBef>
+              <a:spcAft>
+                <a:spcPts val="0"/>
+              </a:spcAft>
+              <a:buNone/>
+            </a:pPr>
+            <a:r>
+              <a:t/>
+            </a:r>
+            <a:endParaRPr/>
+          </a:p>
+          <a:p>
+            <a:pPr indent="0" lvl="0" marL="457200" rtl="0" algn="l">
+              <a:lnSpc>
+                <a:spcPct val="115000"/>
+              </a:lnSpc>
+              <a:spcBef>
+                <a:spcPts val="0"/>
+              </a:spcBef>
+              <a:spcAft>
+                <a:spcPts val="0"/>
+              </a:spcAft>
+              <a:buClr>
+                <a:schemeClr val="dk1"/>
+              </a:buClr>
+              <a:buSzPts val="1100"/>
+              <a:buFont typeface="Arial"/>
+              <a:buNone/>
+            </a:pPr>
+            <a:r>
+              <a:rPr lang="en-GB">
+                <a:solidFill>
+                  <a:schemeClr val="dk1"/>
+                </a:solidFill>
+              </a:rPr>
+              <a:t>Working on the project simultaneously is vital when working as a group and therefore, we had to make an important decision early on regarding which version control system to use.</a:t>
+            </a:r>
+            <a:endParaRPr>
+              <a:solidFill>
+                <a:schemeClr val="dk1"/>
+              </a:solidFill>
+            </a:endParaRPr>
+          </a:p>
+          <a:p>
+            <a:pPr indent="0" lvl="0" marL="457200" rtl="0" algn="l">
+              <a:lnSpc>
+                <a:spcPct val="115000"/>
+              </a:lnSpc>
+              <a:spcBef>
+                <a:spcPts val="0"/>
+              </a:spcBef>
+              <a:spcAft>
+                <a:spcPts val="0"/>
+              </a:spcAft>
+              <a:buClr>
+                <a:schemeClr val="dk1"/>
+              </a:buClr>
+              <a:buSzPts val="1100"/>
+              <a:buFont typeface="Arial"/>
+              <a:buNone/>
+            </a:pPr>
+            <a:r>
+              <a:rPr lang="en-GB">
+                <a:solidFill>
+                  <a:schemeClr val="dk1"/>
+                </a:solidFill>
+              </a:rPr>
+              <a:t>Options</a:t>
+            </a:r>
+            <a:endParaRPr>
+              <a:solidFill>
+                <a:schemeClr val="dk1"/>
+              </a:solidFill>
+            </a:endParaRPr>
+          </a:p>
+          <a:p>
+            <a:pPr indent="0" lvl="0" marL="457200" rtl="0" algn="l">
+              <a:lnSpc>
+                <a:spcPct val="115000"/>
+              </a:lnSpc>
+              <a:spcBef>
+                <a:spcPts val="0"/>
+              </a:spcBef>
+              <a:spcAft>
+                <a:spcPts val="0"/>
+              </a:spcAft>
+              <a:buClr>
+                <a:schemeClr val="dk1"/>
+              </a:buClr>
+              <a:buSzPts val="1100"/>
+              <a:buFont typeface="Arial"/>
+              <a:buNone/>
+            </a:pPr>
+            <a:r>
+              <a:rPr lang="en-GB">
+                <a:solidFill>
+                  <a:schemeClr val="dk1"/>
+                </a:solidFill>
+              </a:rPr>
+              <a:t>-GitHub</a:t>
+            </a:r>
+            <a:endParaRPr>
+              <a:solidFill>
+                <a:schemeClr val="dk1"/>
+              </a:solidFill>
+            </a:endParaRPr>
+          </a:p>
+          <a:p>
+            <a:pPr indent="0" lvl="0" marL="457200" rtl="0" algn="l">
+              <a:lnSpc>
+                <a:spcPct val="115000"/>
+              </a:lnSpc>
+              <a:spcBef>
+                <a:spcPts val="0"/>
+              </a:spcBef>
+              <a:spcAft>
+                <a:spcPts val="0"/>
+              </a:spcAft>
+              <a:buClr>
+                <a:schemeClr val="dk1"/>
+              </a:buClr>
+              <a:buSzPts val="1100"/>
+              <a:buFont typeface="Arial"/>
+              <a:buNone/>
+            </a:pPr>
+            <a:r>
+              <a:rPr lang="en-GB">
+                <a:solidFill>
+                  <a:schemeClr val="dk1"/>
+                </a:solidFill>
+              </a:rPr>
+              <a:t>- BitBucket</a:t>
+            </a:r>
+            <a:endParaRPr>
+              <a:solidFill>
+                <a:schemeClr val="dk1"/>
+              </a:solidFill>
+            </a:endParaRPr>
+          </a:p>
+          <a:p>
+            <a:pPr indent="0" lvl="0" marL="457200" rtl="0" algn="l">
+              <a:lnSpc>
+                <a:spcPct val="115000"/>
+              </a:lnSpc>
+              <a:spcBef>
+                <a:spcPts val="0"/>
+              </a:spcBef>
+              <a:spcAft>
+                <a:spcPts val="0"/>
+              </a:spcAft>
+              <a:buClr>
+                <a:schemeClr val="dk1"/>
+              </a:buClr>
+              <a:buSzPts val="1100"/>
+              <a:buFont typeface="Arial"/>
+              <a:buNone/>
+            </a:pPr>
+            <a:r>
+              <a:rPr lang="en-GB">
+                <a:solidFill>
+                  <a:schemeClr val="dk1"/>
+                </a:solidFill>
+              </a:rPr>
+              <a:t>- GitLab.</a:t>
+            </a:r>
+            <a:endParaRPr>
+              <a:solidFill>
+                <a:schemeClr val="dk1"/>
+              </a:solidFill>
+            </a:endParaRPr>
+          </a:p>
+          <a:p>
+            <a:pPr indent="0" lvl="0" marL="457200" rtl="0" algn="l">
+              <a:lnSpc>
+                <a:spcPct val="115000"/>
+              </a:lnSpc>
+              <a:spcBef>
+                <a:spcPts val="0"/>
+              </a:spcBef>
+              <a:spcAft>
+                <a:spcPts val="0"/>
+              </a:spcAft>
+              <a:buClr>
+                <a:schemeClr val="dk1"/>
+              </a:buClr>
+              <a:buSzPts val="1100"/>
+              <a:buFont typeface="Arial"/>
+              <a:buNone/>
+            </a:pPr>
+            <a:r>
+              <a:rPr lang="en-GB">
+                <a:solidFill>
+                  <a:schemeClr val="dk1"/>
+                </a:solidFill>
+              </a:rPr>
+              <a:t> During our first official meeting we discussed and analysed all three options and concluded that we should use GitHub. This was primarily due to the wide range of features that GitHub provides such as GitHub Issues for bug reporting, project management via GitHub’s project boards, repository wiki page and more. In addition to this, two of the group's members already had prior knowledge of GitHub and therefore, it was already a strong candidate.</a:t>
+            </a:r>
+            <a:endParaRPr/>
+          </a:p>
+        </p:txBody>
+      </p:sp>
+    </p:spTree>
+  </p:cSld>
+  <p:clrMapOvr>
+    <a:masterClrMapping/>
+  </p:clrMapOvr>
+</p:notes>
+</file>
+
+<file path=ppt/notesSlides/notesSlide9.xml><?xml version="1.0" encoding="utf-8"?>
+<p:notes xmlns:a="http://schemas.openxmlformats.org/drawingml/2006/main" xmlns:r="http://schemas.openxmlformats.org/officeDocument/2006/relationships" xmlns:mc="http://schemas.openxmlformats.org/markup-compatibility/2006" xmlns:mv="urn:schemas-microsoft-com:mac:vml" xmlns:p="http://schemas.openxmlformats.org/presentationml/2006/main" xmlns:c="http://schemas.openxmlformats.org/drawingml/2006/chart" xmlns:dgm="http://schemas.openxmlformats.org/drawingml/2006/diagram" xmlns:o="urn:schemas-microsoft-com:office:office" xmlns:v="urn:schemas-microsoft-com:vml" xmlns:pvml="urn:schemas-microsoft-com:office:powerpoint" xmlns:com="http://schemas.openxmlformats.org/drawingml/2006/compatibility" xmlns:p14="http://schemas.microsoft.com/office/powerpoint/2010/main" xmlns:p15="http://schemas.microsoft.com/office/powerpoint/2012/main" xmlns:ahyp="http://schemas.microsoft.com/office/drawing/2018/hyperlinkcolor" showMasterPhAnim="0" showMasterSp="0">
+  <p:cSld>
+    <p:spTree>
+      <p:nvGrpSpPr>
+        <p:cNvPr id="175" name="Shape 175"/>
+        <p:cNvGrpSpPr/>
+        <p:nvPr/>
+      </p:nvGrpSpPr>
+      <p:grpSpPr>
+        <a:xfrm>
+          <a:off x="0" y="0"/>
+          <a:ext cx="0" cy="0"/>
+          <a:chOff x="0" y="0"/>
+          <a:chExt cx="0" cy="0"/>
+        </a:xfrm>
+      </p:grpSpPr>
+      <p:sp>
+        <p:nvSpPr>
+          <p:cNvPr id="176" name="Google Shape;176;g12264ae34cd_0_265:notes"/>
+          <p:cNvSpPr/>
+          <p:nvPr>
+            <p:ph idx="2" type="sldImg"/>
+          </p:nvPr>
+        </p:nvSpPr>
+        <p:spPr>
+          <a:xfrm>
+            <a:off x="381300" y="685800"/>
+            <a:ext cx="6096000" cy="3429000"/>
+          </a:xfrm>
+          <a:custGeom>
+            <a:rect b="b" l="l" r="r" t="t"/>
+            <a:pathLst>
+              <a:path extrusionOk="0" h="120000" w="120000">
+                <a:moveTo>
+                  <a:pt x="0" y="0"/>
+                </a:moveTo>
+                <a:lnTo>
+                  <a:pt x="120000" y="0"/>
+                </a:lnTo>
+                <a:lnTo>
+                  <a:pt x="120000" y="120000"/>
+                </a:lnTo>
+                <a:lnTo>
+                  <a:pt x="0" y="120000"/>
+                </a:lnTo>
+                <a:close/>
+              </a:path>
+            </a:pathLst>
+          </a:custGeom>
+        </p:spPr>
+      </p:sp>
+      <p:sp>
+        <p:nvSpPr>
+          <p:cNvPr id="177" name="Google Shape;177;g12264ae34cd_0_265:notes"/>
           <p:cNvSpPr txBox="1"/>
           <p:nvPr>
             <p:ph idx="1" type="body"/>
@@ -8621,6 +10504,297 @@
 </p:sld>
 </file>
 
+<file path=ppt/slides/slide10.xml><?xml version="1.0" encoding="utf-8"?>
+<p:sld xmlns:a="http://schemas.openxmlformats.org/drawingml/2006/main" xmlns:r="http://schemas.openxmlformats.org/officeDocument/2006/relationships" xmlns:mc="http://schemas.openxmlformats.org/markup-compatibility/2006" xmlns:mv="urn:schemas-microsoft-com:mac:vml" xmlns:p="http://schemas.openxmlformats.org/presentationml/2006/main" xmlns:c="http://schemas.openxmlformats.org/drawingml/2006/chart" xmlns:dgm="http://schemas.openxmlformats.org/drawingml/2006/diagram" xmlns:o="urn:schemas-microsoft-com:office:office" xmlns:v="urn:schemas-microsoft-com:vml" xmlns:pvml="urn:schemas-microsoft-com:office:powerpoint" xmlns:com="http://schemas.openxmlformats.org/drawingml/2006/compatibility" xmlns:p14="http://schemas.microsoft.com/office/powerpoint/2010/main" xmlns:p15="http://schemas.microsoft.com/office/powerpoint/2012/main" xmlns:ahyp="http://schemas.microsoft.com/office/drawing/2018/hyperlinkcolor">
+  <p:cSld>
+    <p:spTree>
+      <p:nvGrpSpPr>
+        <p:cNvPr id="186" name="Shape 186"/>
+        <p:cNvGrpSpPr/>
+        <p:nvPr/>
+      </p:nvGrpSpPr>
+      <p:grpSpPr>
+        <a:xfrm>
+          <a:off x="0" y="0"/>
+          <a:ext cx="0" cy="0"/>
+          <a:chOff x="0" y="0"/>
+          <a:chExt cx="0" cy="0"/>
+        </a:xfrm>
+      </p:grpSpPr>
+      <p:sp>
+        <p:nvSpPr>
+          <p:cNvPr id="187" name="Google Shape;187;p22"/>
+          <p:cNvSpPr txBox="1"/>
+          <p:nvPr>
+            <p:ph type="title"/>
+          </p:nvPr>
+        </p:nvSpPr>
+        <p:spPr>
+          <a:xfrm>
+            <a:off x="311700" y="410000"/>
+            <a:ext cx="8520600" cy="607800"/>
+          </a:xfrm>
+          <a:prstGeom prst="rect">
+            <a:avLst/>
+          </a:prstGeom>
+        </p:spPr>
+        <p:txBody>
+          <a:bodyPr anchorCtr="0" anchor="t" bIns="91425" lIns="91425" spcFirstLastPara="1" rIns="91425" wrap="square" tIns="91425">
+            <a:normAutofit fontScale="90000"/>
+          </a:bodyPr>
+          <a:lstStyle/>
+          <a:p>
+            <a:pPr indent="0" lvl="0" marL="0" rtl="0" algn="l">
+              <a:spcBef>
+                <a:spcPts val="0"/>
+              </a:spcBef>
+              <a:spcAft>
+                <a:spcPts val="0"/>
+              </a:spcAft>
+              <a:buNone/>
+            </a:pPr>
+            <a:r>
+              <a:rPr lang="en-GB"/>
+              <a:t>Internal Systems</a:t>
+            </a:r>
+            <a:endParaRPr/>
+          </a:p>
+        </p:txBody>
+      </p:sp>
+      <p:pic>
+        <p:nvPicPr>
+          <p:cNvPr id="188" name="Google Shape;188;p22"/>
+          <p:cNvPicPr preferRelativeResize="0"/>
+          <p:nvPr/>
+        </p:nvPicPr>
+        <p:blipFill>
+          <a:blip r:embed="rId3">
+            <a:alphaModFix/>
+          </a:blip>
+          <a:stretch>
+            <a:fillRect/>
+          </a:stretch>
+        </p:blipFill>
+        <p:spPr>
+          <a:xfrm>
+            <a:off x="311700" y="1096476"/>
+            <a:ext cx="5140276" cy="3167225"/>
+          </a:xfrm>
+          <a:prstGeom prst="rect">
+            <a:avLst/>
+          </a:prstGeom>
+          <a:noFill/>
+          <a:ln>
+            <a:noFill/>
+          </a:ln>
+        </p:spPr>
+      </p:pic>
+      <p:pic>
+        <p:nvPicPr>
+          <p:cNvPr id="189" name="Google Shape;189;p22"/>
+          <p:cNvPicPr preferRelativeResize="0"/>
+          <p:nvPr/>
+        </p:nvPicPr>
+        <p:blipFill>
+          <a:blip r:embed="rId4">
+            <a:alphaModFix/>
+          </a:blip>
+          <a:stretch>
+            <a:fillRect/>
+          </a:stretch>
+        </p:blipFill>
+        <p:spPr>
+          <a:xfrm>
+            <a:off x="5392350" y="589774"/>
+            <a:ext cx="3707199" cy="3209824"/>
+          </a:xfrm>
+          <a:prstGeom prst="rect">
+            <a:avLst/>
+          </a:prstGeom>
+          <a:noFill/>
+          <a:ln>
+            <a:noFill/>
+          </a:ln>
+        </p:spPr>
+      </p:pic>
+    </p:spTree>
+  </p:cSld>
+  <p:clrMapOvr>
+    <a:masterClrMapping/>
+  </p:clrMapOvr>
+</p:sld>
+</file>
+
+<file path=ppt/slides/slide11.xml><?xml version="1.0" encoding="utf-8"?>
+<p:sld xmlns:a="http://schemas.openxmlformats.org/drawingml/2006/main" xmlns:r="http://schemas.openxmlformats.org/officeDocument/2006/relationships" xmlns:mc="http://schemas.openxmlformats.org/markup-compatibility/2006" xmlns:mv="urn:schemas-microsoft-com:mac:vml" xmlns:p="http://schemas.openxmlformats.org/presentationml/2006/main" xmlns:c="http://schemas.openxmlformats.org/drawingml/2006/chart" xmlns:dgm="http://schemas.openxmlformats.org/drawingml/2006/diagram" xmlns:o="urn:schemas-microsoft-com:office:office" xmlns:v="urn:schemas-microsoft-com:vml" xmlns:pvml="urn:schemas-microsoft-com:office:powerpoint" xmlns:com="http://schemas.openxmlformats.org/drawingml/2006/compatibility" xmlns:p14="http://schemas.microsoft.com/office/powerpoint/2010/main" xmlns:p15="http://schemas.microsoft.com/office/powerpoint/2012/main" xmlns:ahyp="http://schemas.microsoft.com/office/drawing/2018/hyperlinkcolor">
+  <p:cSld>
+    <p:spTree>
+      <p:nvGrpSpPr>
+        <p:cNvPr id="193" name="Shape 193"/>
+        <p:cNvGrpSpPr/>
+        <p:nvPr/>
+      </p:nvGrpSpPr>
+      <p:grpSpPr>
+        <a:xfrm>
+          <a:off x="0" y="0"/>
+          <a:ext cx="0" cy="0"/>
+          <a:chOff x="0" y="0"/>
+          <a:chExt cx="0" cy="0"/>
+        </a:xfrm>
+      </p:grpSpPr>
+      <p:sp>
+        <p:nvSpPr>
+          <p:cNvPr id="194" name="Google Shape;194;p23"/>
+          <p:cNvSpPr txBox="1"/>
+          <p:nvPr>
+            <p:ph type="title"/>
+          </p:nvPr>
+        </p:nvSpPr>
+        <p:spPr>
+          <a:xfrm>
+            <a:off x="311700" y="1256050"/>
+            <a:ext cx="8520600" cy="2030700"/>
+          </a:xfrm>
+          <a:prstGeom prst="rect">
+            <a:avLst/>
+          </a:prstGeom>
+        </p:spPr>
+        <p:txBody>
+          <a:bodyPr anchorCtr="0" anchor="b" bIns="91425" lIns="91425" spcFirstLastPara="1" rIns="91425" wrap="square" tIns="91425">
+            <a:noAutofit/>
+          </a:bodyPr>
+          <a:lstStyle/>
+          <a:p>
+            <a:pPr indent="0" lvl="0" marL="0" rtl="0" algn="ctr">
+              <a:spcBef>
+                <a:spcPts val="0"/>
+              </a:spcBef>
+              <a:spcAft>
+                <a:spcPts val="0"/>
+              </a:spcAft>
+              <a:buSzPts val="990"/>
+              <a:buNone/>
+            </a:pPr>
+            <a:r>
+              <a:rPr lang="en-GB" sz="6000"/>
+              <a:t>Project Tour</a:t>
+            </a:r>
+            <a:endParaRPr sz="6000"/>
+          </a:p>
+        </p:txBody>
+      </p:sp>
+      <p:sp>
+        <p:nvSpPr>
+          <p:cNvPr id="195" name="Google Shape;195;p23"/>
+          <p:cNvSpPr txBox="1"/>
+          <p:nvPr>
+            <p:ph idx="1" type="body"/>
+          </p:nvPr>
+        </p:nvSpPr>
+        <p:spPr>
+          <a:xfrm>
+            <a:off x="311700" y="3369225"/>
+            <a:ext cx="8520600" cy="1281900"/>
+          </a:xfrm>
+          <a:prstGeom prst="rect">
+            <a:avLst/>
+          </a:prstGeom>
+        </p:spPr>
+        <p:txBody>
+          <a:bodyPr anchorCtr="0" anchor="t" bIns="91425" lIns="91425" spcFirstLastPara="1" rIns="91425" wrap="square" tIns="91425">
+            <a:normAutofit/>
+          </a:bodyPr>
+          <a:lstStyle/>
+          <a:p>
+            <a:pPr indent="0" lvl="0" marL="0" rtl="0" algn="ctr">
+              <a:spcBef>
+                <a:spcPts val="0"/>
+              </a:spcBef>
+              <a:spcAft>
+                <a:spcPts val="1200"/>
+              </a:spcAft>
+              <a:buNone/>
+            </a:pPr>
+            <a:r>
+              <a:t/>
+            </a:r>
+            <a:endParaRPr/>
+          </a:p>
+        </p:txBody>
+      </p:sp>
+    </p:spTree>
+  </p:cSld>
+  <p:clrMapOvr>
+    <a:masterClrMapping/>
+  </p:clrMapOvr>
+</p:sld>
+</file>
+
+<file path=ppt/slides/slide12.xml><?xml version="1.0" encoding="utf-8"?>
+<p:sld xmlns:a="http://schemas.openxmlformats.org/drawingml/2006/main" xmlns:r="http://schemas.openxmlformats.org/officeDocument/2006/relationships" xmlns:mc="http://schemas.openxmlformats.org/markup-compatibility/2006" xmlns:mv="urn:schemas-microsoft-com:mac:vml" xmlns:p="http://schemas.openxmlformats.org/presentationml/2006/main" xmlns:c="http://schemas.openxmlformats.org/drawingml/2006/chart" xmlns:dgm="http://schemas.openxmlformats.org/drawingml/2006/diagram" xmlns:o="urn:schemas-microsoft-com:office:office" xmlns:v="urn:schemas-microsoft-com:vml" xmlns:pvml="urn:schemas-microsoft-com:office:powerpoint" xmlns:com="http://schemas.openxmlformats.org/drawingml/2006/compatibility" xmlns:p14="http://schemas.microsoft.com/office/powerpoint/2010/main" xmlns:p15="http://schemas.microsoft.com/office/powerpoint/2012/main" xmlns:ahyp="http://schemas.microsoft.com/office/drawing/2018/hyperlinkcolor">
+  <p:cSld>
+    <p:spTree>
+      <p:nvGrpSpPr>
+        <p:cNvPr id="199" name="Shape 199"/>
+        <p:cNvGrpSpPr/>
+        <p:nvPr/>
+      </p:nvGrpSpPr>
+      <p:grpSpPr>
+        <a:xfrm>
+          <a:off x="0" y="0"/>
+          <a:ext cx="0" cy="0"/>
+          <a:chOff x="0" y="0"/>
+          <a:chExt cx="0" cy="0"/>
+        </a:xfrm>
+      </p:grpSpPr>
+      <p:sp>
+        <p:nvSpPr>
+          <p:cNvPr id="200" name="Google Shape;200;p24"/>
+          <p:cNvSpPr txBox="1"/>
+          <p:nvPr>
+            <p:ph type="title"/>
+          </p:nvPr>
+        </p:nvSpPr>
+        <p:spPr>
+          <a:xfrm>
+            <a:off x="490250" y="1170950"/>
+            <a:ext cx="5618700" cy="2218800"/>
+          </a:xfrm>
+          <a:prstGeom prst="rect">
+            <a:avLst/>
+          </a:prstGeom>
+        </p:spPr>
+        <p:txBody>
+          <a:bodyPr anchorCtr="0" anchor="ctr" bIns="91425" lIns="91425" spcFirstLastPara="1" rIns="91425" wrap="square" tIns="91425">
+            <a:noAutofit/>
+          </a:bodyPr>
+          <a:lstStyle/>
+          <a:p>
+            <a:pPr indent="0" lvl="0" marL="0" rtl="0" algn="l">
+              <a:spcBef>
+                <a:spcPts val="0"/>
+              </a:spcBef>
+              <a:spcAft>
+                <a:spcPts val="0"/>
+              </a:spcAft>
+              <a:buNone/>
+            </a:pPr>
+            <a:r>
+              <a:rPr lang="en-GB" sz="3000"/>
+              <a:t>Any Questions?</a:t>
+            </a:r>
+            <a:endParaRPr sz="3000"/>
+          </a:p>
+        </p:txBody>
+      </p:sp>
+    </p:spTree>
+  </p:cSld>
+  <p:clrMapOvr>
+    <a:masterClrMapping/>
+  </p:clrMapOvr>
+</p:sld>
+</file>
+
 <file path=ppt/slides/slide2.xml><?xml version="1.0" encoding="utf-8"?>
 <p:sld xmlns:a="http://schemas.openxmlformats.org/drawingml/2006/main" xmlns:r="http://schemas.openxmlformats.org/officeDocument/2006/relationships" xmlns:mc="http://schemas.openxmlformats.org/markup-compatibility/2006" xmlns:mv="urn:schemas-microsoft-com:mac:vml" xmlns:p="http://schemas.openxmlformats.org/presentationml/2006/main" xmlns:c="http://schemas.openxmlformats.org/drawingml/2006/chart" xmlns:dgm="http://schemas.openxmlformats.org/drawingml/2006/diagram" xmlns:o="urn:schemas-microsoft-com:office:office" xmlns:v="urn:schemas-microsoft-com:vml" xmlns:pvml="urn:schemas-microsoft-com:office:powerpoint" xmlns:com="http://schemas.openxmlformats.org/drawingml/2006/compatibility" xmlns:p14="http://schemas.microsoft.com/office/powerpoint/2010/main" xmlns:p15="http://schemas.microsoft.com/office/powerpoint/2012/main" xmlns:ahyp="http://schemas.microsoft.com/office/drawing/2018/hyperlinkcolor">
   <p:cSld>
@@ -8812,7 +10986,7 @@
             </a:pPr>
             <a:r>
               <a:rPr lang="en-GB"/>
-              <a:t>Our Project</a:t>
+              <a:t>Code of Conduct</a:t>
             </a:r>
             <a:endParaRPr/>
           </a:p>
@@ -8821,6 +10995,339 @@
       <p:sp>
         <p:nvSpPr>
           <p:cNvPr id="99" name="Google Shape;99;p15"/>
+          <p:cNvSpPr txBox="1"/>
+          <p:nvPr>
+            <p:ph idx="1" type="body"/>
+          </p:nvPr>
+        </p:nvSpPr>
+        <p:spPr>
+          <a:xfrm>
+            <a:off x="311700" y="1229875"/>
+            <a:ext cx="8520600" cy="3339000"/>
+          </a:xfrm>
+          <a:prstGeom prst="rect">
+            <a:avLst/>
+          </a:prstGeom>
+        </p:spPr>
+        <p:txBody>
+          <a:bodyPr anchorCtr="0" anchor="t" bIns="91425" lIns="91425" spcFirstLastPara="1" rIns="91425" wrap="square" tIns="91425">
+            <a:normAutofit/>
+          </a:bodyPr>
+          <a:lstStyle/>
+          <a:p>
+            <a:pPr indent="0" lvl="0" marL="457200" rtl="0" algn="l">
+              <a:spcBef>
+                <a:spcPts val="1800"/>
+              </a:spcBef>
+              <a:spcAft>
+                <a:spcPts val="0"/>
+              </a:spcAft>
+              <a:buNone/>
+            </a:pPr>
+            <a:r>
+              <a:t/>
+            </a:r>
+            <a:endParaRPr sz="1600">
+              <a:solidFill>
+                <a:srgbClr val="000000"/>
+              </a:solidFill>
+              <a:latin typeface="Arial"/>
+              <a:ea typeface="Arial"/>
+              <a:cs typeface="Arial"/>
+              <a:sym typeface="Arial"/>
+            </a:endParaRPr>
+          </a:p>
+          <a:p>
+            <a:pPr indent="0" lvl="0" marL="0" rtl="0" algn="l">
+              <a:spcBef>
+                <a:spcPts val="600"/>
+              </a:spcBef>
+              <a:spcAft>
+                <a:spcPts val="0"/>
+              </a:spcAft>
+              <a:buNone/>
+            </a:pPr>
+            <a:r>
+              <a:t/>
+            </a:r>
+            <a:endParaRPr sz="1100">
+              <a:solidFill>
+                <a:srgbClr val="000000"/>
+              </a:solidFill>
+              <a:latin typeface="Arial"/>
+              <a:ea typeface="Arial"/>
+              <a:cs typeface="Arial"/>
+              <a:sym typeface="Arial"/>
+            </a:endParaRPr>
+          </a:p>
+          <a:p>
+            <a:pPr indent="0" lvl="0" marL="457200" rtl="0" algn="l">
+              <a:spcBef>
+                <a:spcPts val="0"/>
+              </a:spcBef>
+              <a:spcAft>
+                <a:spcPts val="0"/>
+              </a:spcAft>
+              <a:buNone/>
+            </a:pPr>
+            <a:r>
+              <a:t/>
+            </a:r>
+            <a:endParaRPr sz="1100">
+              <a:solidFill>
+                <a:srgbClr val="000000"/>
+              </a:solidFill>
+              <a:latin typeface="Arial"/>
+              <a:ea typeface="Arial"/>
+              <a:cs typeface="Arial"/>
+              <a:sym typeface="Arial"/>
+            </a:endParaRPr>
+          </a:p>
+          <a:p>
+            <a:pPr indent="0" lvl="0" marL="457200" rtl="0" algn="l">
+              <a:spcBef>
+                <a:spcPts val="0"/>
+              </a:spcBef>
+              <a:spcAft>
+                <a:spcPts val="1200"/>
+              </a:spcAft>
+              <a:buNone/>
+            </a:pPr>
+            <a:r>
+              <a:t/>
+            </a:r>
+            <a:endParaRPr/>
+          </a:p>
+        </p:txBody>
+      </p:sp>
+      <p:pic>
+        <p:nvPicPr>
+          <p:cNvPr id="100" name="Google Shape;100;p15"/>
+          <p:cNvPicPr preferRelativeResize="0"/>
+          <p:nvPr/>
+        </p:nvPicPr>
+        <p:blipFill>
+          <a:blip r:embed="rId3">
+            <a:alphaModFix/>
+          </a:blip>
+          <a:stretch>
+            <a:fillRect/>
+          </a:stretch>
+        </p:blipFill>
+        <p:spPr>
+          <a:xfrm>
+            <a:off x="454403" y="1017799"/>
+            <a:ext cx="4050950" cy="2882099"/>
+          </a:xfrm>
+          <a:prstGeom prst="rect">
+            <a:avLst/>
+          </a:prstGeom>
+          <a:noFill/>
+          <a:ln>
+            <a:noFill/>
+          </a:ln>
+        </p:spPr>
+      </p:pic>
+    </p:spTree>
+  </p:cSld>
+  <p:clrMapOvr>
+    <a:masterClrMapping/>
+  </p:clrMapOvr>
+</p:sld>
+</file>
+
+<file path=ppt/slides/slide4.xml><?xml version="1.0" encoding="utf-8"?>
+<p:sld xmlns:a="http://schemas.openxmlformats.org/drawingml/2006/main" xmlns:r="http://schemas.openxmlformats.org/officeDocument/2006/relationships" xmlns:mc="http://schemas.openxmlformats.org/markup-compatibility/2006" xmlns:mv="urn:schemas-microsoft-com:mac:vml" xmlns:p="http://schemas.openxmlformats.org/presentationml/2006/main" xmlns:c="http://schemas.openxmlformats.org/drawingml/2006/chart" xmlns:dgm="http://schemas.openxmlformats.org/drawingml/2006/diagram" xmlns:o="urn:schemas-microsoft-com:office:office" xmlns:v="urn:schemas-microsoft-com:vml" xmlns:pvml="urn:schemas-microsoft-com:office:powerpoint" xmlns:com="http://schemas.openxmlformats.org/drawingml/2006/compatibility" xmlns:p14="http://schemas.microsoft.com/office/powerpoint/2010/main" xmlns:p15="http://schemas.microsoft.com/office/powerpoint/2012/main" xmlns:ahyp="http://schemas.microsoft.com/office/drawing/2018/hyperlinkcolor">
+  <p:cSld>
+    <p:spTree>
+      <p:nvGrpSpPr>
+        <p:cNvPr id="104" name="Shape 104"/>
+        <p:cNvGrpSpPr/>
+        <p:nvPr/>
+      </p:nvGrpSpPr>
+      <p:grpSpPr>
+        <a:xfrm>
+          <a:off x="0" y="0"/>
+          <a:ext cx="0" cy="0"/>
+          <a:chOff x="0" y="0"/>
+          <a:chExt cx="0" cy="0"/>
+        </a:xfrm>
+      </p:grpSpPr>
+      <p:sp>
+        <p:nvSpPr>
+          <p:cNvPr id="105" name="Google Shape;105;p16"/>
+          <p:cNvSpPr txBox="1"/>
+          <p:nvPr>
+            <p:ph type="title"/>
+          </p:nvPr>
+        </p:nvSpPr>
+        <p:spPr>
+          <a:xfrm>
+            <a:off x="311700" y="410000"/>
+            <a:ext cx="8520600" cy="607800"/>
+          </a:xfrm>
+          <a:prstGeom prst="rect">
+            <a:avLst/>
+          </a:prstGeom>
+        </p:spPr>
+        <p:txBody>
+          <a:bodyPr anchorCtr="0" anchor="t" bIns="91425" lIns="91425" spcFirstLastPara="1" rIns="91425" wrap="square" tIns="91425">
+            <a:normAutofit fontScale="90000"/>
+          </a:bodyPr>
+          <a:lstStyle/>
+          <a:p>
+            <a:pPr indent="0" lvl="0" marL="0" rtl="0" algn="l">
+              <a:spcBef>
+                <a:spcPts val="0"/>
+              </a:spcBef>
+              <a:spcAft>
+                <a:spcPts val="0"/>
+              </a:spcAft>
+              <a:buNone/>
+            </a:pPr>
+            <a:r>
+              <a:rPr lang="en-GB"/>
+              <a:t>Meeting Minutes</a:t>
+            </a:r>
+            <a:endParaRPr/>
+          </a:p>
+        </p:txBody>
+      </p:sp>
+      <p:sp>
+        <p:nvSpPr>
+          <p:cNvPr id="106" name="Google Shape;106;p16"/>
+          <p:cNvSpPr txBox="1"/>
+          <p:nvPr>
+            <p:ph idx="1" type="body"/>
+          </p:nvPr>
+        </p:nvSpPr>
+        <p:spPr>
+          <a:xfrm>
+            <a:off x="311700" y="1229875"/>
+            <a:ext cx="8520600" cy="3339000"/>
+          </a:xfrm>
+          <a:prstGeom prst="rect">
+            <a:avLst/>
+          </a:prstGeom>
+        </p:spPr>
+        <p:txBody>
+          <a:bodyPr anchorCtr="0" anchor="t" bIns="91425" lIns="91425" spcFirstLastPara="1" rIns="91425" wrap="square" tIns="91425">
+            <a:normAutofit/>
+          </a:bodyPr>
+          <a:lstStyle/>
+          <a:p>
+            <a:pPr indent="0" lvl="0" marL="0" rtl="0" algn="l">
+              <a:spcBef>
+                <a:spcPts val="0"/>
+              </a:spcBef>
+              <a:spcAft>
+                <a:spcPts val="1200"/>
+              </a:spcAft>
+              <a:buNone/>
+            </a:pPr>
+            <a:r>
+              <a:t/>
+            </a:r>
+            <a:endParaRPr/>
+          </a:p>
+        </p:txBody>
+      </p:sp>
+      <p:pic>
+        <p:nvPicPr>
+          <p:cNvPr id="107" name="Google Shape;107;p16"/>
+          <p:cNvPicPr preferRelativeResize="0"/>
+          <p:nvPr/>
+        </p:nvPicPr>
+        <p:blipFill>
+          <a:blip r:embed="rId3">
+            <a:alphaModFix/>
+          </a:blip>
+          <a:stretch>
+            <a:fillRect/>
+          </a:stretch>
+        </p:blipFill>
+        <p:spPr>
+          <a:xfrm>
+            <a:off x="311700" y="1229875"/>
+            <a:ext cx="5717622" cy="3338999"/>
+          </a:xfrm>
+          <a:prstGeom prst="rect">
+            <a:avLst/>
+          </a:prstGeom>
+          <a:noFill/>
+          <a:ln>
+            <a:noFill/>
+          </a:ln>
+        </p:spPr>
+      </p:pic>
+    </p:spTree>
+  </p:cSld>
+  <p:clrMapOvr>
+    <a:masterClrMapping/>
+  </p:clrMapOvr>
+</p:sld>
+</file>
+
+<file path=ppt/slides/slide5.xml><?xml version="1.0" encoding="utf-8"?>
+<p:sld xmlns:a="http://schemas.openxmlformats.org/drawingml/2006/main" xmlns:r="http://schemas.openxmlformats.org/officeDocument/2006/relationships" xmlns:mc="http://schemas.openxmlformats.org/markup-compatibility/2006" xmlns:mv="urn:schemas-microsoft-com:mac:vml" xmlns:p="http://schemas.openxmlformats.org/presentationml/2006/main" xmlns:c="http://schemas.openxmlformats.org/drawingml/2006/chart" xmlns:dgm="http://schemas.openxmlformats.org/drawingml/2006/diagram" xmlns:o="urn:schemas-microsoft-com:office:office" xmlns:v="urn:schemas-microsoft-com:vml" xmlns:pvml="urn:schemas-microsoft-com:office:powerpoint" xmlns:com="http://schemas.openxmlformats.org/drawingml/2006/compatibility" xmlns:p14="http://schemas.microsoft.com/office/powerpoint/2010/main" xmlns:p15="http://schemas.microsoft.com/office/powerpoint/2012/main" xmlns:ahyp="http://schemas.microsoft.com/office/drawing/2018/hyperlinkcolor">
+  <p:cSld>
+    <p:spTree>
+      <p:nvGrpSpPr>
+        <p:cNvPr id="111" name="Shape 111"/>
+        <p:cNvGrpSpPr/>
+        <p:nvPr/>
+      </p:nvGrpSpPr>
+      <p:grpSpPr>
+        <a:xfrm>
+          <a:off x="0" y="0"/>
+          <a:ext cx="0" cy="0"/>
+          <a:chOff x="0" y="0"/>
+          <a:chExt cx="0" cy="0"/>
+        </a:xfrm>
+      </p:grpSpPr>
+      <p:sp>
+        <p:nvSpPr>
+          <p:cNvPr id="112" name="Google Shape;112;p17"/>
+          <p:cNvSpPr txBox="1"/>
+          <p:nvPr>
+            <p:ph type="title"/>
+          </p:nvPr>
+        </p:nvSpPr>
+        <p:spPr>
+          <a:xfrm>
+            <a:off x="311700" y="410000"/>
+            <a:ext cx="8520600" cy="607800"/>
+          </a:xfrm>
+          <a:prstGeom prst="rect">
+            <a:avLst/>
+          </a:prstGeom>
+        </p:spPr>
+        <p:txBody>
+          <a:bodyPr anchorCtr="0" anchor="t" bIns="91425" lIns="91425" spcFirstLastPara="1" rIns="91425" wrap="square" tIns="91425">
+            <a:normAutofit fontScale="90000"/>
+          </a:bodyPr>
+          <a:lstStyle/>
+          <a:p>
+            <a:pPr indent="0" lvl="0" marL="0" rtl="0" algn="l">
+              <a:spcBef>
+                <a:spcPts val="0"/>
+              </a:spcBef>
+              <a:spcAft>
+                <a:spcPts val="0"/>
+              </a:spcAft>
+              <a:buNone/>
+            </a:pPr>
+            <a:r>
+              <a:rPr lang="en-GB"/>
+              <a:t>Our Project</a:t>
+            </a:r>
+            <a:endParaRPr/>
+          </a:p>
+        </p:txBody>
+      </p:sp>
+      <p:sp>
+        <p:nvSpPr>
+          <p:cNvPr id="113" name="Google Shape;113;p17"/>
           <p:cNvSpPr txBox="1"/>
           <p:nvPr>
             <p:ph idx="1" type="body"/>
@@ -8895,7 +11402,7 @@
       </p:sp>
       <p:grpSp>
         <p:nvGrpSpPr>
-          <p:cNvPr id="100" name="Google Shape;100;p15"/>
+          <p:cNvPr id="114" name="Google Shape;114;p17"/>
           <p:cNvGrpSpPr/>
           <p:nvPr/>
         </p:nvGrpSpPr>
@@ -8909,7 +11416,7 @@
         </p:grpSpPr>
         <p:sp>
           <p:nvSpPr>
-            <p:cNvPr id="101" name="Google Shape;101;p15"/>
+            <p:cNvPr id="115" name="Google Shape;115;p17"/>
             <p:cNvSpPr/>
             <p:nvPr/>
           </p:nvSpPr>
@@ -8952,7 +11459,7 @@
         </p:sp>
         <p:grpSp>
           <p:nvGrpSpPr>
-            <p:cNvPr id="102" name="Google Shape;102;p15"/>
+            <p:cNvPr id="116" name="Google Shape;116;p17"/>
             <p:cNvGrpSpPr/>
             <p:nvPr/>
           </p:nvGrpSpPr>
@@ -8966,7 +11473,7 @@
           </p:grpSpPr>
           <p:grpSp>
             <p:nvGrpSpPr>
-              <p:cNvPr id="103" name="Google Shape;103;p15"/>
+              <p:cNvPr id="117" name="Google Shape;117;p17"/>
               <p:cNvGrpSpPr/>
               <p:nvPr/>
             </p:nvGrpSpPr>
@@ -8980,7 +11487,7 @@
             </p:grpSpPr>
             <p:cxnSp>
               <p:nvCxnSpPr>
-                <p:cNvPr id="104" name="Google Shape;104;p15"/>
+                <p:cNvPr id="118" name="Google Shape;118;p17"/>
                 <p:cNvCxnSpPr/>
                 <p:nvPr/>
               </p:nvCxnSpPr>
@@ -9006,7 +11513,7 @@
             </p:cxnSp>
             <p:sp>
               <p:nvSpPr>
-                <p:cNvPr id="105" name="Google Shape;105;p15"/>
+                <p:cNvPr id="119" name="Google Shape;119;p17"/>
                 <p:cNvSpPr/>
                 <p:nvPr/>
               </p:nvSpPr>
@@ -9050,7 +11557,7 @@
           </p:grpSp>
           <p:sp>
             <p:nvSpPr>
-              <p:cNvPr id="106" name="Google Shape;106;p15"/>
+              <p:cNvPr id="120" name="Google Shape;120;p17"/>
               <p:cNvSpPr txBox="1"/>
               <p:nvPr/>
             </p:nvSpPr>
@@ -9105,7 +11612,7 @@
           </p:sp>
           <p:sp>
             <p:nvSpPr>
-              <p:cNvPr id="107" name="Google Shape;107;p15"/>
+              <p:cNvPr id="121" name="Google Shape;121;p17"/>
               <p:cNvSpPr txBox="1"/>
               <p:nvPr/>
             </p:nvSpPr>
@@ -9159,7 +11666,7 @@
       </p:grpSp>
       <p:grpSp>
         <p:nvGrpSpPr>
-          <p:cNvPr id="108" name="Google Shape;108;p15"/>
+          <p:cNvPr id="122" name="Google Shape;122;p17"/>
           <p:cNvGrpSpPr/>
           <p:nvPr/>
         </p:nvGrpSpPr>
@@ -9173,7 +11680,7 @@
         </p:grpSpPr>
         <p:sp>
           <p:nvSpPr>
-            <p:cNvPr id="109" name="Google Shape;109;p15"/>
+            <p:cNvPr id="123" name="Google Shape;123;p17"/>
             <p:cNvSpPr/>
             <p:nvPr/>
           </p:nvSpPr>
@@ -9216,7 +11723,7 @@
         </p:sp>
         <p:grpSp>
           <p:nvGrpSpPr>
-            <p:cNvPr id="110" name="Google Shape;110;p15"/>
+            <p:cNvPr id="124" name="Google Shape;124;p17"/>
             <p:cNvGrpSpPr/>
             <p:nvPr/>
           </p:nvGrpSpPr>
@@ -9230,7 +11737,7 @@
           </p:grpSpPr>
           <p:grpSp>
             <p:nvGrpSpPr>
-              <p:cNvPr id="111" name="Google Shape;111;p15"/>
+              <p:cNvPr id="125" name="Google Shape;125;p17"/>
               <p:cNvGrpSpPr/>
               <p:nvPr/>
             </p:nvGrpSpPr>
@@ -9244,7 +11751,7 @@
             </p:grpSpPr>
             <p:cxnSp>
               <p:nvCxnSpPr>
-                <p:cNvPr id="112" name="Google Shape;112;p15"/>
+                <p:cNvPr id="126" name="Google Shape;126;p17"/>
                 <p:cNvCxnSpPr/>
                 <p:nvPr/>
               </p:nvCxnSpPr>
@@ -9270,7 +11777,7 @@
             </p:cxnSp>
             <p:sp>
               <p:nvSpPr>
-                <p:cNvPr id="113" name="Google Shape;113;p15"/>
+                <p:cNvPr id="127" name="Google Shape;127;p17"/>
                 <p:cNvSpPr/>
                 <p:nvPr/>
               </p:nvSpPr>
@@ -9314,7 +11821,7 @@
           </p:grpSp>
           <p:sp>
             <p:nvSpPr>
-              <p:cNvPr id="114" name="Google Shape;114;p15"/>
+              <p:cNvPr id="128" name="Google Shape;128;p17"/>
               <p:cNvSpPr txBox="1"/>
               <p:nvPr/>
             </p:nvSpPr>
@@ -9369,7 +11876,7 @@
           </p:sp>
           <p:sp>
             <p:nvSpPr>
-              <p:cNvPr id="115" name="Google Shape;115;p15"/>
+              <p:cNvPr id="129" name="Google Shape;129;p17"/>
               <p:cNvSpPr txBox="1"/>
               <p:nvPr/>
             </p:nvSpPr>
@@ -9423,7 +11930,7 @@
       </p:grpSp>
       <p:grpSp>
         <p:nvGrpSpPr>
-          <p:cNvPr id="116" name="Google Shape;116;p15"/>
+          <p:cNvPr id="130" name="Google Shape;130;p17"/>
           <p:cNvGrpSpPr/>
           <p:nvPr/>
         </p:nvGrpSpPr>
@@ -9437,7 +11944,7 @@
         </p:grpSpPr>
         <p:sp>
           <p:nvSpPr>
-            <p:cNvPr id="117" name="Google Shape;117;p15"/>
+            <p:cNvPr id="131" name="Google Shape;131;p17"/>
             <p:cNvSpPr/>
             <p:nvPr/>
           </p:nvSpPr>
@@ -9480,7 +11987,7 @@
         </p:sp>
         <p:grpSp>
           <p:nvGrpSpPr>
-            <p:cNvPr id="118" name="Google Shape;118;p15"/>
+            <p:cNvPr id="132" name="Google Shape;132;p17"/>
             <p:cNvGrpSpPr/>
             <p:nvPr/>
           </p:nvGrpSpPr>
@@ -9494,7 +12001,7 @@
           </p:grpSpPr>
           <p:sp>
             <p:nvSpPr>
-              <p:cNvPr id="119" name="Google Shape;119;p15"/>
+              <p:cNvPr id="133" name="Google Shape;133;p17"/>
               <p:cNvSpPr txBox="1"/>
               <p:nvPr/>
             </p:nvSpPr>
@@ -9549,7 +12056,7 @@
           </p:sp>
           <p:grpSp>
             <p:nvGrpSpPr>
-              <p:cNvPr id="120" name="Google Shape;120;p15"/>
+              <p:cNvPr id="134" name="Google Shape;134;p17"/>
               <p:cNvGrpSpPr/>
               <p:nvPr/>
             </p:nvGrpSpPr>
@@ -9563,7 +12070,7 @@
             </p:grpSpPr>
             <p:cxnSp>
               <p:nvCxnSpPr>
-                <p:cNvPr id="121" name="Google Shape;121;p15"/>
+                <p:cNvPr id="135" name="Google Shape;135;p17"/>
                 <p:cNvCxnSpPr/>
                 <p:nvPr/>
               </p:nvCxnSpPr>
@@ -9589,7 +12096,7 @@
             </p:cxnSp>
             <p:sp>
               <p:nvSpPr>
-                <p:cNvPr id="122" name="Google Shape;122;p15"/>
+                <p:cNvPr id="136" name="Google Shape;136;p17"/>
                 <p:cNvSpPr/>
                 <p:nvPr/>
               </p:nvSpPr>
@@ -9633,7 +12140,7 @@
           </p:grpSp>
           <p:sp>
             <p:nvSpPr>
-              <p:cNvPr id="123" name="Google Shape;123;p15"/>
+              <p:cNvPr id="137" name="Google Shape;137;p17"/>
               <p:cNvSpPr txBox="1"/>
               <p:nvPr/>
             </p:nvSpPr>
@@ -9687,7 +12194,7 @@
       </p:grpSp>
       <p:grpSp>
         <p:nvGrpSpPr>
-          <p:cNvPr id="124" name="Google Shape;124;p15"/>
+          <p:cNvPr id="138" name="Google Shape;138;p17"/>
           <p:cNvGrpSpPr/>
           <p:nvPr/>
         </p:nvGrpSpPr>
@@ -9701,7 +12208,7 @@
         </p:grpSpPr>
         <p:sp>
           <p:nvSpPr>
-            <p:cNvPr id="125" name="Google Shape;125;p15"/>
+            <p:cNvPr id="139" name="Google Shape;139;p17"/>
             <p:cNvSpPr/>
             <p:nvPr/>
           </p:nvSpPr>
@@ -9744,7 +12251,7 @@
         </p:sp>
         <p:grpSp>
           <p:nvGrpSpPr>
-            <p:cNvPr id="126" name="Google Shape;126;p15"/>
+            <p:cNvPr id="140" name="Google Shape;140;p17"/>
             <p:cNvGrpSpPr/>
             <p:nvPr/>
           </p:nvGrpSpPr>
@@ -9758,7 +12265,7 @@
           </p:grpSpPr>
           <p:sp>
             <p:nvSpPr>
-              <p:cNvPr id="127" name="Google Shape;127;p15"/>
+              <p:cNvPr id="141" name="Google Shape;141;p17"/>
               <p:cNvSpPr txBox="1"/>
               <p:nvPr/>
             </p:nvSpPr>
@@ -9813,7 +12320,7 @@
           </p:sp>
           <p:grpSp>
             <p:nvGrpSpPr>
-              <p:cNvPr id="128" name="Google Shape;128;p15"/>
+              <p:cNvPr id="142" name="Google Shape;142;p17"/>
               <p:cNvGrpSpPr/>
               <p:nvPr/>
             </p:nvGrpSpPr>
@@ -9827,7 +12334,7 @@
             </p:grpSpPr>
             <p:cxnSp>
               <p:nvCxnSpPr>
-                <p:cNvPr id="129" name="Google Shape;129;p15"/>
+                <p:cNvPr id="143" name="Google Shape;143;p17"/>
                 <p:cNvCxnSpPr/>
                 <p:nvPr/>
               </p:nvCxnSpPr>
@@ -9853,7 +12360,7 @@
             </p:cxnSp>
             <p:sp>
               <p:nvSpPr>
-                <p:cNvPr id="130" name="Google Shape;130;p15"/>
+                <p:cNvPr id="144" name="Google Shape;144;p17"/>
                 <p:cNvSpPr/>
                 <p:nvPr/>
               </p:nvSpPr>
@@ -9897,7 +12404,7 @@
           </p:grpSp>
           <p:sp>
             <p:nvSpPr>
-              <p:cNvPr id="131" name="Google Shape;131;p15"/>
+              <p:cNvPr id="145" name="Google Shape;145;p17"/>
               <p:cNvSpPr txBox="1"/>
               <p:nvPr/>
             </p:nvSpPr>
@@ -9957,12 +12464,12 @@
 </p:sld>
 </file>
 
-<file path=ppt/slides/slide4.xml><?xml version="1.0" encoding="utf-8"?>
+<file path=ppt/slides/slide6.xml><?xml version="1.0" encoding="utf-8"?>
 <p:sld xmlns:a="http://schemas.openxmlformats.org/drawingml/2006/main" xmlns:r="http://schemas.openxmlformats.org/officeDocument/2006/relationships" xmlns:mc="http://schemas.openxmlformats.org/markup-compatibility/2006" xmlns:mv="urn:schemas-microsoft-com:mac:vml" xmlns:p="http://schemas.openxmlformats.org/presentationml/2006/main" xmlns:c="http://schemas.openxmlformats.org/drawingml/2006/chart" xmlns:dgm="http://schemas.openxmlformats.org/drawingml/2006/diagram" xmlns:o="urn:schemas-microsoft-com:office:office" xmlns:v="urn:schemas-microsoft-com:vml" xmlns:pvml="urn:schemas-microsoft-com:office:powerpoint" xmlns:com="http://schemas.openxmlformats.org/drawingml/2006/compatibility" xmlns:p14="http://schemas.microsoft.com/office/powerpoint/2010/main" xmlns:p15="http://schemas.microsoft.com/office/powerpoint/2012/main" xmlns:ahyp="http://schemas.microsoft.com/office/drawing/2018/hyperlinkcolor">
   <p:cSld>
     <p:spTree>
       <p:nvGrpSpPr>
-        <p:cNvPr id="135" name="Shape 135"/>
+        <p:cNvPr id="149" name="Shape 149"/>
         <p:cNvGrpSpPr/>
         <p:nvPr/>
       </p:nvGrpSpPr>
@@ -9976,7 +12483,7 @@
       </p:grpSpPr>
       <p:sp>
         <p:nvSpPr>
-          <p:cNvPr id="136" name="Google Shape;136;p16"/>
+          <p:cNvPr id="150" name="Google Shape;150;p18"/>
           <p:cNvSpPr txBox="1"/>
           <p:nvPr>
             <p:ph type="title"/>
@@ -10008,7 +12515,7 @@
             </a:pPr>
             <a:r>
               <a:rPr lang="en-GB"/>
-              <a:t>Development Stack</a:t>
+              <a:t>Front end</a:t>
             </a:r>
             <a:endParaRPr/>
           </a:p>
@@ -10016,7 +12523,7 @@
       </p:sp>
       <p:sp>
         <p:nvSpPr>
-          <p:cNvPr id="137" name="Google Shape;137;p16"/>
+          <p:cNvPr id="151" name="Google Shape;151;p18"/>
           <p:cNvSpPr txBox="1"/>
           <p:nvPr>
             <p:ph idx="1" type="body"/>
@@ -10042,6 +12549,62 @@
                 <a:spcPts val="0"/>
               </a:spcBef>
               <a:spcAft>
+                <a:spcPts val="0"/>
+              </a:spcAft>
+              <a:buNone/>
+            </a:pPr>
+            <a:r>
+              <a:rPr lang="en-GB" sz="1600">
+                <a:solidFill>
+                  <a:srgbClr val="000000"/>
+                </a:solidFill>
+                <a:latin typeface="Arial"/>
+                <a:ea typeface="Arial"/>
+                <a:cs typeface="Arial"/>
+                <a:sym typeface="Arial"/>
+              </a:rPr>
+              <a:t>We started developing the front-end using HTML, but after sprint 2 we decided to convert everything into PUG.We found that Pug is more user friendly, easier to understand and also has a </a:t>
+            </a:r>
+            <a:r>
+              <a:rPr lang="en-GB" sz="1600">
+                <a:solidFill>
+                  <a:srgbClr val="000000"/>
+                </a:solidFill>
+                <a:latin typeface="Arial"/>
+                <a:ea typeface="Arial"/>
+                <a:cs typeface="Arial"/>
+                <a:sym typeface="Arial"/>
+              </a:rPr>
+              <a:t>simplified</a:t>
+            </a:r>
+            <a:r>
+              <a:rPr lang="en-GB" sz="1600">
+                <a:solidFill>
+                  <a:srgbClr val="000000"/>
+                </a:solidFill>
+                <a:latin typeface="Arial"/>
+                <a:ea typeface="Arial"/>
+                <a:cs typeface="Arial"/>
+                <a:sym typeface="Arial"/>
+              </a:rPr>
+              <a:t> syntax.</a:t>
+            </a:r>
+            <a:endParaRPr sz="1100">
+              <a:solidFill>
+                <a:srgbClr val="000000"/>
+              </a:solidFill>
+              <a:latin typeface="Arial"/>
+              <a:ea typeface="Arial"/>
+              <a:cs typeface="Arial"/>
+              <a:sym typeface="Arial"/>
+            </a:endParaRPr>
+          </a:p>
+          <a:p>
+            <a:pPr indent="0" lvl="0" marL="457200" rtl="0" algn="l">
+              <a:spcBef>
+                <a:spcPts val="0"/>
+              </a:spcBef>
+              <a:spcAft>
                 <a:spcPts val="1200"/>
               </a:spcAft>
               <a:buNone/>
@@ -10055,7 +12618,139 @@
       </p:sp>
       <p:pic>
         <p:nvPicPr>
-          <p:cNvPr id="138" name="Google Shape;138;p16"/>
+          <p:cNvPr id="152" name="Google Shape;152;p18"/>
+          <p:cNvPicPr preferRelativeResize="0"/>
+          <p:nvPr/>
+        </p:nvPicPr>
+        <p:blipFill>
+          <a:blip r:embed="rId3">
+            <a:alphaModFix/>
+          </a:blip>
+          <a:stretch>
+            <a:fillRect/>
+          </a:stretch>
+        </p:blipFill>
+        <p:spPr>
+          <a:xfrm>
+            <a:off x="1376225" y="2210100"/>
+            <a:ext cx="4182574" cy="2432350"/>
+          </a:xfrm>
+          <a:prstGeom prst="rect">
+            <a:avLst/>
+          </a:prstGeom>
+          <a:noFill/>
+          <a:ln>
+            <a:noFill/>
+          </a:ln>
+        </p:spPr>
+      </p:pic>
+    </p:spTree>
+  </p:cSld>
+  <p:clrMapOvr>
+    <a:masterClrMapping/>
+  </p:clrMapOvr>
+</p:sld>
+</file>
+
+<file path=ppt/slides/slide7.xml><?xml version="1.0" encoding="utf-8"?>
+<p:sld xmlns:a="http://schemas.openxmlformats.org/drawingml/2006/main" xmlns:r="http://schemas.openxmlformats.org/officeDocument/2006/relationships" xmlns:mc="http://schemas.openxmlformats.org/markup-compatibility/2006" xmlns:mv="urn:schemas-microsoft-com:mac:vml" xmlns:p="http://schemas.openxmlformats.org/presentationml/2006/main" xmlns:c="http://schemas.openxmlformats.org/drawingml/2006/chart" xmlns:dgm="http://schemas.openxmlformats.org/drawingml/2006/diagram" xmlns:o="urn:schemas-microsoft-com:office:office" xmlns:v="urn:schemas-microsoft-com:vml" xmlns:pvml="urn:schemas-microsoft-com:office:powerpoint" xmlns:com="http://schemas.openxmlformats.org/drawingml/2006/compatibility" xmlns:p14="http://schemas.microsoft.com/office/powerpoint/2010/main" xmlns:p15="http://schemas.microsoft.com/office/powerpoint/2012/main" xmlns:ahyp="http://schemas.microsoft.com/office/drawing/2018/hyperlinkcolor">
+  <p:cSld>
+    <p:spTree>
+      <p:nvGrpSpPr>
+        <p:cNvPr id="156" name="Shape 156"/>
+        <p:cNvGrpSpPr/>
+        <p:nvPr/>
+      </p:nvGrpSpPr>
+      <p:grpSpPr>
+        <a:xfrm>
+          <a:off x="0" y="0"/>
+          <a:ext cx="0" cy="0"/>
+          <a:chOff x="0" y="0"/>
+          <a:chExt cx="0" cy="0"/>
+        </a:xfrm>
+      </p:grpSpPr>
+      <p:sp>
+        <p:nvSpPr>
+          <p:cNvPr id="157" name="Google Shape;157;p19"/>
+          <p:cNvSpPr txBox="1"/>
+          <p:nvPr>
+            <p:ph type="title"/>
+          </p:nvPr>
+        </p:nvSpPr>
+        <p:spPr>
+          <a:xfrm>
+            <a:off x="311700" y="410000"/>
+            <a:ext cx="8520600" cy="607800"/>
+          </a:xfrm>
+          <a:prstGeom prst="rect">
+            <a:avLst/>
+          </a:prstGeom>
+        </p:spPr>
+        <p:txBody>
+          <a:bodyPr anchorCtr="0" anchor="t" bIns="91425" lIns="91425" spcFirstLastPara="1" rIns="91425" wrap="square" tIns="91425">
+            <a:normAutofit fontScale="90000"/>
+          </a:bodyPr>
+          <a:lstStyle/>
+          <a:p>
+            <a:pPr indent="0" lvl="0" marL="0" rtl="0" algn="l">
+              <a:spcBef>
+                <a:spcPts val="0"/>
+              </a:spcBef>
+              <a:spcAft>
+                <a:spcPts val="0"/>
+              </a:spcAft>
+              <a:buNone/>
+            </a:pPr>
+            <a:r>
+              <a:rPr lang="en-GB"/>
+              <a:t>Development Stack</a:t>
+            </a:r>
+            <a:endParaRPr/>
+          </a:p>
+        </p:txBody>
+      </p:sp>
+      <p:sp>
+        <p:nvSpPr>
+          <p:cNvPr id="158" name="Google Shape;158;p19"/>
+          <p:cNvSpPr txBox="1"/>
+          <p:nvPr>
+            <p:ph idx="1" type="body"/>
+          </p:nvPr>
+        </p:nvSpPr>
+        <p:spPr>
+          <a:xfrm>
+            <a:off x="311700" y="1229875"/>
+            <a:ext cx="8520600" cy="3339000"/>
+          </a:xfrm>
+          <a:prstGeom prst="rect">
+            <a:avLst/>
+          </a:prstGeom>
+        </p:spPr>
+        <p:txBody>
+          <a:bodyPr anchorCtr="0" anchor="t" bIns="91425" lIns="91425" spcFirstLastPara="1" rIns="91425" wrap="square" tIns="91425">
+            <a:normAutofit/>
+          </a:bodyPr>
+          <a:lstStyle/>
+          <a:p>
+            <a:pPr indent="0" lvl="0" marL="0" rtl="0" algn="l">
+              <a:spcBef>
+                <a:spcPts val="0"/>
+              </a:spcBef>
+              <a:spcAft>
+                <a:spcPts val="1200"/>
+              </a:spcAft>
+              <a:buNone/>
+            </a:pPr>
+            <a:r>
+              <a:t/>
+            </a:r>
+            <a:endParaRPr/>
+          </a:p>
+        </p:txBody>
+      </p:sp>
+      <p:pic>
+        <p:nvPicPr>
+          <p:cNvPr id="159" name="Google Shape;159;p19"/>
           <p:cNvPicPr preferRelativeResize="0"/>
           <p:nvPr/>
         </p:nvPicPr>
@@ -10083,7 +12778,7 @@
       </p:pic>
       <p:pic>
         <p:nvPicPr>
-          <p:cNvPr id="139" name="Google Shape;139;p16"/>
+          <p:cNvPr id="160" name="Google Shape;160;p19"/>
           <p:cNvPicPr preferRelativeResize="0"/>
           <p:nvPr/>
         </p:nvPicPr>
@@ -10111,7 +12806,7 @@
       </p:pic>
       <p:pic>
         <p:nvPicPr>
-          <p:cNvPr id="140" name="Google Shape;140;p16"/>
+          <p:cNvPr id="161" name="Google Shape;161;p19"/>
           <p:cNvPicPr preferRelativeResize="0"/>
           <p:nvPr/>
         </p:nvPicPr>
@@ -10139,7 +12834,7 @@
       </p:pic>
       <p:pic>
         <p:nvPicPr>
-          <p:cNvPr id="141" name="Google Shape;141;p16"/>
+          <p:cNvPr id="162" name="Google Shape;162;p19"/>
           <p:cNvPicPr preferRelativeResize="0"/>
           <p:nvPr/>
         </p:nvPicPr>
@@ -10167,7 +12862,7 @@
       </p:pic>
       <p:pic>
         <p:nvPicPr>
-          <p:cNvPr id="142" name="Google Shape;142;p16"/>
+          <p:cNvPr id="163" name="Google Shape;163;p19"/>
           <p:cNvPicPr preferRelativeResize="0"/>
           <p:nvPr/>
         </p:nvPicPr>
@@ -10195,7 +12890,7 @@
       </p:pic>
       <p:pic>
         <p:nvPicPr>
-          <p:cNvPr id="143" name="Google Shape;143;p16"/>
+          <p:cNvPr id="164" name="Google Shape;164;p19"/>
           <p:cNvPicPr preferRelativeResize="0"/>
           <p:nvPr/>
         </p:nvPicPr>
@@ -10223,7 +12918,7 @@
       </p:pic>
       <p:pic>
         <p:nvPicPr>
-          <p:cNvPr id="144" name="Google Shape;144;p16"/>
+          <p:cNvPr id="165" name="Google Shape;165;p19"/>
           <p:cNvPicPr preferRelativeResize="0"/>
           <p:nvPr/>
         </p:nvPicPr>
@@ -10250,7 +12945,7 @@
       </p:pic>
       <p:pic>
         <p:nvPicPr>
-          <p:cNvPr id="145" name="Google Shape;145;p16"/>
+          <p:cNvPr id="166" name="Google Shape;166;p19"/>
           <p:cNvPicPr preferRelativeResize="0"/>
           <p:nvPr/>
         </p:nvPicPr>
@@ -10276,6 +12971,34 @@
           </a:ln>
         </p:spPr>
       </p:pic>
+      <p:pic>
+        <p:nvPicPr>
+          <p:cNvPr id="167" name="Google Shape;167;p19"/>
+          <p:cNvPicPr preferRelativeResize="0"/>
+          <p:nvPr/>
+        </p:nvPicPr>
+        <p:blipFill>
+          <a:blip r:embed="rId11">
+            <a:alphaModFix/>
+          </a:blip>
+          <a:stretch>
+            <a:fillRect/>
+          </a:stretch>
+        </p:blipFill>
+        <p:spPr>
+          <a:xfrm>
+            <a:off x="3019450" y="3681975"/>
+            <a:ext cx="708250" cy="682450"/>
+          </a:xfrm>
+          <a:prstGeom prst="rect">
+            <a:avLst/>
+          </a:prstGeom>
+          <a:noFill/>
+          <a:ln>
+            <a:noFill/>
+          </a:ln>
+        </p:spPr>
+      </p:pic>
     </p:spTree>
   </p:cSld>
   <p:clrMapOvr>
@@ -10284,12 +13007,12 @@
 </p:sld>
 </file>
 
-<file path=ppt/slides/slide5.xml><?xml version="1.0" encoding="utf-8"?>
+<file path=ppt/slides/slide8.xml><?xml version="1.0" encoding="utf-8"?>
 <p:sld xmlns:a="http://schemas.openxmlformats.org/drawingml/2006/main" xmlns:r="http://schemas.openxmlformats.org/officeDocument/2006/relationships" xmlns:mc="http://schemas.openxmlformats.org/markup-compatibility/2006" xmlns:mv="urn:schemas-microsoft-com:mac:vml" xmlns:p="http://schemas.openxmlformats.org/presentationml/2006/main" xmlns:c="http://schemas.openxmlformats.org/drawingml/2006/chart" xmlns:dgm="http://schemas.openxmlformats.org/drawingml/2006/diagram" xmlns:o="urn:schemas-microsoft-com:office:office" xmlns:v="urn:schemas-microsoft-com:vml" xmlns:pvml="urn:schemas-microsoft-com:office:powerpoint" xmlns:com="http://schemas.openxmlformats.org/drawingml/2006/compatibility" xmlns:p14="http://schemas.microsoft.com/office/powerpoint/2010/main" xmlns:p15="http://schemas.microsoft.com/office/powerpoint/2012/main" xmlns:ahyp="http://schemas.microsoft.com/office/drawing/2018/hyperlinkcolor">
   <p:cSld>
     <p:spTree>
       <p:nvGrpSpPr>
-        <p:cNvPr id="149" name="Shape 149"/>
+        <p:cNvPr id="171" name="Shape 171"/>
         <p:cNvGrpSpPr/>
         <p:nvPr/>
       </p:nvGrpSpPr>
@@ -10303,7 +13026,7 @@
       </p:grpSpPr>
       <p:sp>
         <p:nvSpPr>
-          <p:cNvPr id="150" name="Google Shape;150;p17"/>
+          <p:cNvPr id="172" name="Google Shape;172;p20"/>
           <p:cNvSpPr txBox="1"/>
           <p:nvPr>
             <p:ph type="title"/>
@@ -10325,17 +13048,24 @@
           <a:lstStyle/>
           <a:p>
             <a:pPr indent="0" lvl="0" marL="0" rtl="0" algn="l">
-              <a:spcBef>
-                <a:spcPts val="0"/>
-              </a:spcBef>
-              <a:spcAft>
-                <a:spcPts val="0"/>
+              <a:lnSpc>
+                <a:spcPct val="115000"/>
+              </a:lnSpc>
+              <a:spcBef>
+                <a:spcPts val="1800"/>
+              </a:spcBef>
+              <a:spcAft>
+                <a:spcPts val="600"/>
               </a:spcAft>
               <a:buNone/>
             </a:pPr>
             <a:r>
               <a:rPr lang="en-GB"/>
-              <a:t>Group Statistics</a:t>
+              <a:t>Version Control </a:t>
+            </a:r>
+            <a:r>
+              <a:rPr lang="en-GB"/>
+              <a:t>Visualization</a:t>
             </a:r>
             <a:endParaRPr/>
           </a:p>
@@ -10343,7 +13073,185 @@
       </p:sp>
       <p:sp>
         <p:nvSpPr>
-          <p:cNvPr id="151" name="Google Shape;151;p17"/>
+          <p:cNvPr id="173" name="Google Shape;173;p20"/>
+          <p:cNvSpPr txBox="1"/>
+          <p:nvPr>
+            <p:ph idx="1" type="body"/>
+          </p:nvPr>
+        </p:nvSpPr>
+        <p:spPr>
+          <a:xfrm>
+            <a:off x="191200" y="902250"/>
+            <a:ext cx="8520600" cy="3339000"/>
+          </a:xfrm>
+          <a:prstGeom prst="rect">
+            <a:avLst/>
+          </a:prstGeom>
+        </p:spPr>
+        <p:txBody>
+          <a:bodyPr anchorCtr="0" anchor="t" bIns="91425" lIns="91425" spcFirstLastPara="1" rIns="91425" wrap="square" tIns="91425">
+            <a:normAutofit/>
+          </a:bodyPr>
+          <a:lstStyle/>
+          <a:p>
+            <a:pPr indent="0" lvl="0" marL="0" rtl="0" algn="l">
+              <a:spcBef>
+                <a:spcPts val="1800"/>
+              </a:spcBef>
+              <a:spcAft>
+                <a:spcPts val="0"/>
+              </a:spcAft>
+              <a:buNone/>
+            </a:pPr>
+            <a:r>
+              <a:t/>
+            </a:r>
+            <a:endParaRPr sz="1600">
+              <a:solidFill>
+                <a:srgbClr val="000000"/>
+              </a:solidFill>
+              <a:latin typeface="Arial"/>
+              <a:ea typeface="Arial"/>
+              <a:cs typeface="Arial"/>
+              <a:sym typeface="Arial"/>
+            </a:endParaRPr>
+          </a:p>
+          <a:p>
+            <a:pPr indent="0" lvl="0" marL="457200" rtl="0" algn="l">
+              <a:spcBef>
+                <a:spcPts val="600"/>
+              </a:spcBef>
+              <a:spcAft>
+                <a:spcPts val="0"/>
+              </a:spcAft>
+              <a:buNone/>
+            </a:pPr>
+            <a:r>
+              <a:t/>
+            </a:r>
+            <a:endParaRPr sz="1100">
+              <a:solidFill>
+                <a:srgbClr val="000000"/>
+              </a:solidFill>
+              <a:latin typeface="Arial"/>
+              <a:ea typeface="Arial"/>
+              <a:cs typeface="Arial"/>
+              <a:sym typeface="Arial"/>
+            </a:endParaRPr>
+          </a:p>
+          <a:p>
+            <a:pPr indent="0" lvl="0" marL="457200" rtl="0" algn="l">
+              <a:spcBef>
+                <a:spcPts val="0"/>
+              </a:spcBef>
+              <a:spcAft>
+                <a:spcPts val="1200"/>
+              </a:spcAft>
+              <a:buNone/>
+            </a:pPr>
+            <a:r>
+              <a:t/>
+            </a:r>
+            <a:endParaRPr/>
+          </a:p>
+        </p:txBody>
+      </p:sp>
+      <p:pic>
+        <p:nvPicPr>
+          <p:cNvPr id="174" name="Google Shape;174;p20"/>
+          <p:cNvPicPr preferRelativeResize="0"/>
+          <p:nvPr/>
+        </p:nvPicPr>
+        <p:blipFill>
+          <a:blip r:embed="rId3">
+            <a:alphaModFix/>
+          </a:blip>
+          <a:stretch>
+            <a:fillRect/>
+          </a:stretch>
+        </p:blipFill>
+        <p:spPr>
+          <a:xfrm>
+            <a:off x="480000" y="1127050"/>
+            <a:ext cx="5316374" cy="3422800"/>
+          </a:xfrm>
+          <a:prstGeom prst="rect">
+            <a:avLst/>
+          </a:prstGeom>
+          <a:noFill/>
+          <a:ln>
+            <a:noFill/>
+          </a:ln>
+        </p:spPr>
+      </p:pic>
+    </p:spTree>
+  </p:cSld>
+  <p:clrMapOvr>
+    <a:masterClrMapping/>
+  </p:clrMapOvr>
+</p:sld>
+</file>
+
+<file path=ppt/slides/slide9.xml><?xml version="1.0" encoding="utf-8"?>
+<p:sld xmlns:a="http://schemas.openxmlformats.org/drawingml/2006/main" xmlns:r="http://schemas.openxmlformats.org/officeDocument/2006/relationships" xmlns:mc="http://schemas.openxmlformats.org/markup-compatibility/2006" xmlns:mv="urn:schemas-microsoft-com:mac:vml" xmlns:p="http://schemas.openxmlformats.org/presentationml/2006/main" xmlns:c="http://schemas.openxmlformats.org/drawingml/2006/chart" xmlns:dgm="http://schemas.openxmlformats.org/drawingml/2006/diagram" xmlns:o="urn:schemas-microsoft-com:office:office" xmlns:v="urn:schemas-microsoft-com:vml" xmlns:pvml="urn:schemas-microsoft-com:office:powerpoint" xmlns:com="http://schemas.openxmlformats.org/drawingml/2006/compatibility" xmlns:p14="http://schemas.microsoft.com/office/powerpoint/2010/main" xmlns:p15="http://schemas.microsoft.com/office/powerpoint/2012/main" xmlns:ahyp="http://schemas.microsoft.com/office/drawing/2018/hyperlinkcolor">
+  <p:cSld>
+    <p:spTree>
+      <p:nvGrpSpPr>
+        <p:cNvPr id="178" name="Shape 178"/>
+        <p:cNvGrpSpPr/>
+        <p:nvPr/>
+      </p:nvGrpSpPr>
+      <p:grpSpPr>
+        <a:xfrm>
+          <a:off x="0" y="0"/>
+          <a:ext cx="0" cy="0"/>
+          <a:chOff x="0" y="0"/>
+          <a:chExt cx="0" cy="0"/>
+        </a:xfrm>
+      </p:grpSpPr>
+      <p:sp>
+        <p:nvSpPr>
+          <p:cNvPr id="179" name="Google Shape;179;p21"/>
+          <p:cNvSpPr txBox="1"/>
+          <p:nvPr>
+            <p:ph type="title"/>
+          </p:nvPr>
+        </p:nvSpPr>
+        <p:spPr>
+          <a:xfrm>
+            <a:off x="311700" y="410000"/>
+            <a:ext cx="8520600" cy="607800"/>
+          </a:xfrm>
+          <a:prstGeom prst="rect">
+            <a:avLst/>
+          </a:prstGeom>
+        </p:spPr>
+        <p:txBody>
+          <a:bodyPr anchorCtr="0" anchor="t" bIns="91425" lIns="91425" spcFirstLastPara="1" rIns="91425" wrap="square" tIns="91425">
+            <a:normAutofit fontScale="90000"/>
+          </a:bodyPr>
+          <a:lstStyle/>
+          <a:p>
+            <a:pPr indent="0" lvl="0" marL="0" rtl="0" algn="l">
+              <a:spcBef>
+                <a:spcPts val="0"/>
+              </a:spcBef>
+              <a:spcAft>
+                <a:spcPts val="0"/>
+              </a:spcAft>
+              <a:buNone/>
+            </a:pPr>
+            <a:r>
+              <a:rPr lang="en-GB"/>
+              <a:t>Group Statistics</a:t>
+            </a:r>
+            <a:endParaRPr/>
+          </a:p>
+        </p:txBody>
+      </p:sp>
+      <p:sp>
+        <p:nvSpPr>
+          <p:cNvPr id="180" name="Google Shape;180;p21"/>
           <p:cNvSpPr txBox="1"/>
           <p:nvPr>
             <p:ph idx="1" type="body"/>
@@ -10382,7 +13290,7 @@
       </p:sp>
       <p:pic>
         <p:nvPicPr>
-          <p:cNvPr id="152" name="Google Shape;152;p17" title="Points scored"/>
+          <p:cNvPr id="181" name="Google Shape;181;p21" title="Points scored"/>
           <p:cNvPicPr preferRelativeResize="0"/>
           <p:nvPr/>
         </p:nvPicPr>
@@ -10410,7 +13318,7 @@
       </p:pic>
       <p:pic>
         <p:nvPicPr>
-          <p:cNvPr id="153" name="Google Shape;153;p17"/>
+          <p:cNvPr id="182" name="Google Shape;182;p21"/>
           <p:cNvPicPr preferRelativeResize="0"/>
           <p:nvPr/>
         </p:nvPicPr>
@@ -10436,297 +13344,6 @@
           </a:ln>
         </p:spPr>
       </p:pic>
-    </p:spTree>
-  </p:cSld>
-  <p:clrMapOvr>
-    <a:masterClrMapping/>
-  </p:clrMapOvr>
-</p:sld>
-</file>
-
-<file path=ppt/slides/slide6.xml><?xml version="1.0" encoding="utf-8"?>
-<p:sld xmlns:a="http://schemas.openxmlformats.org/drawingml/2006/main" xmlns:r="http://schemas.openxmlformats.org/officeDocument/2006/relationships" xmlns:mc="http://schemas.openxmlformats.org/markup-compatibility/2006" xmlns:mv="urn:schemas-microsoft-com:mac:vml" xmlns:p="http://schemas.openxmlformats.org/presentationml/2006/main" xmlns:c="http://schemas.openxmlformats.org/drawingml/2006/chart" xmlns:dgm="http://schemas.openxmlformats.org/drawingml/2006/diagram" xmlns:o="urn:schemas-microsoft-com:office:office" xmlns:v="urn:schemas-microsoft-com:vml" xmlns:pvml="urn:schemas-microsoft-com:office:powerpoint" xmlns:com="http://schemas.openxmlformats.org/drawingml/2006/compatibility" xmlns:p14="http://schemas.microsoft.com/office/powerpoint/2010/main" xmlns:p15="http://schemas.microsoft.com/office/powerpoint/2012/main" xmlns:ahyp="http://schemas.microsoft.com/office/drawing/2018/hyperlinkcolor">
-  <p:cSld>
-    <p:spTree>
-      <p:nvGrpSpPr>
-        <p:cNvPr id="157" name="Shape 157"/>
-        <p:cNvGrpSpPr/>
-        <p:nvPr/>
-      </p:nvGrpSpPr>
-      <p:grpSpPr>
-        <a:xfrm>
-          <a:off x="0" y="0"/>
-          <a:ext cx="0" cy="0"/>
-          <a:chOff x="0" y="0"/>
-          <a:chExt cx="0" cy="0"/>
-        </a:xfrm>
-      </p:grpSpPr>
-      <p:sp>
-        <p:nvSpPr>
-          <p:cNvPr id="158" name="Google Shape;158;p18"/>
-          <p:cNvSpPr txBox="1"/>
-          <p:nvPr>
-            <p:ph type="title"/>
-          </p:nvPr>
-        </p:nvSpPr>
-        <p:spPr>
-          <a:xfrm>
-            <a:off x="311700" y="410000"/>
-            <a:ext cx="8520600" cy="607800"/>
-          </a:xfrm>
-          <a:prstGeom prst="rect">
-            <a:avLst/>
-          </a:prstGeom>
-        </p:spPr>
-        <p:txBody>
-          <a:bodyPr anchorCtr="0" anchor="t" bIns="91425" lIns="91425" spcFirstLastPara="1" rIns="91425" wrap="square" tIns="91425">
-            <a:normAutofit fontScale="90000"/>
-          </a:bodyPr>
-          <a:lstStyle/>
-          <a:p>
-            <a:pPr indent="0" lvl="0" marL="0" rtl="0" algn="l">
-              <a:spcBef>
-                <a:spcPts val="0"/>
-              </a:spcBef>
-              <a:spcAft>
-                <a:spcPts val="0"/>
-              </a:spcAft>
-              <a:buNone/>
-            </a:pPr>
-            <a:r>
-              <a:rPr lang="en-GB"/>
-              <a:t>Internal Systems</a:t>
-            </a:r>
-            <a:endParaRPr/>
-          </a:p>
-        </p:txBody>
-      </p:sp>
-      <p:pic>
-        <p:nvPicPr>
-          <p:cNvPr id="159" name="Google Shape;159;p18"/>
-          <p:cNvPicPr preferRelativeResize="0"/>
-          <p:nvPr/>
-        </p:nvPicPr>
-        <p:blipFill>
-          <a:blip r:embed="rId3">
-            <a:alphaModFix/>
-          </a:blip>
-          <a:stretch>
-            <a:fillRect/>
-          </a:stretch>
-        </p:blipFill>
-        <p:spPr>
-          <a:xfrm>
-            <a:off x="311700" y="1096476"/>
-            <a:ext cx="5140276" cy="3167225"/>
-          </a:xfrm>
-          <a:prstGeom prst="rect">
-            <a:avLst/>
-          </a:prstGeom>
-          <a:noFill/>
-          <a:ln>
-            <a:noFill/>
-          </a:ln>
-        </p:spPr>
-      </p:pic>
-      <p:pic>
-        <p:nvPicPr>
-          <p:cNvPr id="160" name="Google Shape;160;p18"/>
-          <p:cNvPicPr preferRelativeResize="0"/>
-          <p:nvPr/>
-        </p:nvPicPr>
-        <p:blipFill>
-          <a:blip r:embed="rId4">
-            <a:alphaModFix/>
-          </a:blip>
-          <a:stretch>
-            <a:fillRect/>
-          </a:stretch>
-        </p:blipFill>
-        <p:spPr>
-          <a:xfrm>
-            <a:off x="5392350" y="589774"/>
-            <a:ext cx="3707199" cy="3209824"/>
-          </a:xfrm>
-          <a:prstGeom prst="rect">
-            <a:avLst/>
-          </a:prstGeom>
-          <a:noFill/>
-          <a:ln>
-            <a:noFill/>
-          </a:ln>
-        </p:spPr>
-      </p:pic>
-    </p:spTree>
-  </p:cSld>
-  <p:clrMapOvr>
-    <a:masterClrMapping/>
-  </p:clrMapOvr>
-</p:sld>
-</file>
-
-<file path=ppt/slides/slide7.xml><?xml version="1.0" encoding="utf-8"?>
-<p:sld xmlns:a="http://schemas.openxmlformats.org/drawingml/2006/main" xmlns:r="http://schemas.openxmlformats.org/officeDocument/2006/relationships" xmlns:mc="http://schemas.openxmlformats.org/markup-compatibility/2006" xmlns:mv="urn:schemas-microsoft-com:mac:vml" xmlns:p="http://schemas.openxmlformats.org/presentationml/2006/main" xmlns:c="http://schemas.openxmlformats.org/drawingml/2006/chart" xmlns:dgm="http://schemas.openxmlformats.org/drawingml/2006/diagram" xmlns:o="urn:schemas-microsoft-com:office:office" xmlns:v="urn:schemas-microsoft-com:vml" xmlns:pvml="urn:schemas-microsoft-com:office:powerpoint" xmlns:com="http://schemas.openxmlformats.org/drawingml/2006/compatibility" xmlns:p14="http://schemas.microsoft.com/office/powerpoint/2010/main" xmlns:p15="http://schemas.microsoft.com/office/powerpoint/2012/main" xmlns:ahyp="http://schemas.microsoft.com/office/drawing/2018/hyperlinkcolor">
-  <p:cSld>
-    <p:spTree>
-      <p:nvGrpSpPr>
-        <p:cNvPr id="164" name="Shape 164"/>
-        <p:cNvGrpSpPr/>
-        <p:nvPr/>
-      </p:nvGrpSpPr>
-      <p:grpSpPr>
-        <a:xfrm>
-          <a:off x="0" y="0"/>
-          <a:ext cx="0" cy="0"/>
-          <a:chOff x="0" y="0"/>
-          <a:chExt cx="0" cy="0"/>
-        </a:xfrm>
-      </p:grpSpPr>
-      <p:sp>
-        <p:nvSpPr>
-          <p:cNvPr id="165" name="Google Shape;165;p19"/>
-          <p:cNvSpPr txBox="1"/>
-          <p:nvPr>
-            <p:ph type="title"/>
-          </p:nvPr>
-        </p:nvSpPr>
-        <p:spPr>
-          <a:xfrm>
-            <a:off x="311700" y="1256050"/>
-            <a:ext cx="8520600" cy="2030700"/>
-          </a:xfrm>
-          <a:prstGeom prst="rect">
-            <a:avLst/>
-          </a:prstGeom>
-        </p:spPr>
-        <p:txBody>
-          <a:bodyPr anchorCtr="0" anchor="b" bIns="91425" lIns="91425" spcFirstLastPara="1" rIns="91425" wrap="square" tIns="91425">
-            <a:noAutofit/>
-          </a:bodyPr>
-          <a:lstStyle/>
-          <a:p>
-            <a:pPr indent="0" lvl="0" marL="0" rtl="0" algn="ctr">
-              <a:spcBef>
-                <a:spcPts val="0"/>
-              </a:spcBef>
-              <a:spcAft>
-                <a:spcPts val="0"/>
-              </a:spcAft>
-              <a:buSzPts val="990"/>
-              <a:buNone/>
-            </a:pPr>
-            <a:r>
-              <a:rPr lang="en-GB" sz="6000"/>
-              <a:t>Project Tour</a:t>
-            </a:r>
-            <a:endParaRPr sz="6000"/>
-          </a:p>
-        </p:txBody>
-      </p:sp>
-      <p:sp>
-        <p:nvSpPr>
-          <p:cNvPr id="166" name="Google Shape;166;p19"/>
-          <p:cNvSpPr txBox="1"/>
-          <p:nvPr>
-            <p:ph idx="1" type="body"/>
-          </p:nvPr>
-        </p:nvSpPr>
-        <p:spPr>
-          <a:xfrm>
-            <a:off x="311700" y="3369225"/>
-            <a:ext cx="8520600" cy="1281900"/>
-          </a:xfrm>
-          <a:prstGeom prst="rect">
-            <a:avLst/>
-          </a:prstGeom>
-        </p:spPr>
-        <p:txBody>
-          <a:bodyPr anchorCtr="0" anchor="t" bIns="91425" lIns="91425" spcFirstLastPara="1" rIns="91425" wrap="square" tIns="91425">
-            <a:normAutofit/>
-          </a:bodyPr>
-          <a:lstStyle/>
-          <a:p>
-            <a:pPr indent="0" lvl="0" marL="0" rtl="0" algn="ctr">
-              <a:spcBef>
-                <a:spcPts val="0"/>
-              </a:spcBef>
-              <a:spcAft>
-                <a:spcPts val="1200"/>
-              </a:spcAft>
-              <a:buNone/>
-            </a:pPr>
-            <a:r>
-              <a:t/>
-            </a:r>
-            <a:endParaRPr/>
-          </a:p>
-        </p:txBody>
-      </p:sp>
-    </p:spTree>
-  </p:cSld>
-  <p:clrMapOvr>
-    <a:masterClrMapping/>
-  </p:clrMapOvr>
-</p:sld>
-</file>
-
-<file path=ppt/slides/slide8.xml><?xml version="1.0" encoding="utf-8"?>
-<p:sld xmlns:a="http://schemas.openxmlformats.org/drawingml/2006/main" xmlns:r="http://schemas.openxmlformats.org/officeDocument/2006/relationships" xmlns:mc="http://schemas.openxmlformats.org/markup-compatibility/2006" xmlns:mv="urn:schemas-microsoft-com:mac:vml" xmlns:p="http://schemas.openxmlformats.org/presentationml/2006/main" xmlns:c="http://schemas.openxmlformats.org/drawingml/2006/chart" xmlns:dgm="http://schemas.openxmlformats.org/drawingml/2006/diagram" xmlns:o="urn:schemas-microsoft-com:office:office" xmlns:v="urn:schemas-microsoft-com:vml" xmlns:pvml="urn:schemas-microsoft-com:office:powerpoint" xmlns:com="http://schemas.openxmlformats.org/drawingml/2006/compatibility" xmlns:p14="http://schemas.microsoft.com/office/powerpoint/2010/main" xmlns:p15="http://schemas.microsoft.com/office/powerpoint/2012/main" xmlns:ahyp="http://schemas.microsoft.com/office/drawing/2018/hyperlinkcolor">
-  <p:cSld>
-    <p:spTree>
-      <p:nvGrpSpPr>
-        <p:cNvPr id="170" name="Shape 170"/>
-        <p:cNvGrpSpPr/>
-        <p:nvPr/>
-      </p:nvGrpSpPr>
-      <p:grpSpPr>
-        <a:xfrm>
-          <a:off x="0" y="0"/>
-          <a:ext cx="0" cy="0"/>
-          <a:chOff x="0" y="0"/>
-          <a:chExt cx="0" cy="0"/>
-        </a:xfrm>
-      </p:grpSpPr>
-      <p:sp>
-        <p:nvSpPr>
-          <p:cNvPr id="171" name="Google Shape;171;p20"/>
-          <p:cNvSpPr txBox="1"/>
-          <p:nvPr>
-            <p:ph type="title"/>
-          </p:nvPr>
-        </p:nvSpPr>
-        <p:spPr>
-          <a:xfrm>
-            <a:off x="490250" y="1170950"/>
-            <a:ext cx="5618700" cy="2218800"/>
-          </a:xfrm>
-          <a:prstGeom prst="rect">
-            <a:avLst/>
-          </a:prstGeom>
-        </p:spPr>
-        <p:txBody>
-          <a:bodyPr anchorCtr="0" anchor="ctr" bIns="91425" lIns="91425" spcFirstLastPara="1" rIns="91425" wrap="square" tIns="91425">
-            <a:noAutofit/>
-          </a:bodyPr>
-          <a:lstStyle/>
-          <a:p>
-            <a:pPr indent="0" lvl="0" marL="0" rtl="0" algn="l">
-              <a:spcBef>
-                <a:spcPts val="0"/>
-              </a:spcBef>
-              <a:spcAft>
-                <a:spcPts val="0"/>
-              </a:spcAft>
-              <a:buNone/>
-            </a:pPr>
-            <a:r>
-              <a:rPr lang="en-GB" sz="3000"/>
-              <a:t>Any Questions?</a:t>
-            </a:r>
-            <a:endParaRPr sz="3000"/>
-          </a:p>
-        </p:txBody>
-      </p:sp>
     </p:spTree>
   </p:cSld>
   <p:clrMapOvr>
